--- a/Rec9-Cache.pptx
+++ b/Rec9-Cache.pptx
@@ -251,7 +251,7 @@
           <a:p>
             <a:fld id="{F56DEE85-ED71-4F2F-ACF9-AA8FC297E40F}" type="datetimeFigureOut">
               <a:rPr lang="en-US" smtClean="0"/>
-              <a:t>3/31/2021</a:t>
+              <a:t>4/26/2021</a:t>
             </a:fld>
             <a:endParaRPr lang="en-US"/>
           </a:p>
@@ -665,7 +665,7 @@
           <a:p>
             <a:fld id="{D6D0F569-AC90-44EB-9EF4-4E5C2F5D823C}" type="datetime1">
               <a:rPr lang="en-US" smtClean="0"/>
-              <a:t>3/31/2021</a:t>
+              <a:t>4/26/2021</a:t>
             </a:fld>
             <a:endParaRPr lang="en-US" dirty="0"/>
           </a:p>
@@ -867,7 +867,7 @@
           <a:p>
             <a:fld id="{46BA7D41-E8B7-4A0B-B861-3EC4AE88917D}" type="datetime1">
               <a:rPr lang="en-US" smtClean="0"/>
-              <a:t>3/31/2021</a:t>
+              <a:t>4/26/2021</a:t>
             </a:fld>
             <a:endParaRPr lang="en-US" dirty="0"/>
           </a:p>
@@ -1079,7 +1079,7 @@
           <a:p>
             <a:fld id="{A7C34823-0B19-4B4E-A643-7A3B0A3D24D6}" type="datetime1">
               <a:rPr lang="en-US" smtClean="0"/>
-              <a:t>3/31/2021</a:t>
+              <a:t>4/26/2021</a:t>
             </a:fld>
             <a:endParaRPr lang="en-US" dirty="0"/>
           </a:p>
@@ -1281,7 +1281,7 @@
           <a:p>
             <a:fld id="{8C2D79EF-17C8-45D8-9866-DAF5723FC604}" type="datetime1">
               <a:rPr lang="en-US" smtClean="0"/>
-              <a:t>3/31/2021</a:t>
+              <a:t>4/26/2021</a:t>
             </a:fld>
             <a:endParaRPr lang="en-US" dirty="0"/>
           </a:p>
@@ -1560,7 +1560,7 @@
           <a:p>
             <a:fld id="{DFFC2ADC-3680-4013-A757-E4663495DB98}" type="datetime1">
               <a:rPr lang="en-US" smtClean="0"/>
-              <a:t>3/31/2021</a:t>
+              <a:t>4/26/2021</a:t>
             </a:fld>
             <a:endParaRPr lang="en-US" dirty="0"/>
           </a:p>
@@ -1829,7 +1829,7 @@
           <a:p>
             <a:fld id="{4751BA94-5DCA-4F19-960F-0FB2BD5EE85A}" type="datetime1">
               <a:rPr lang="en-US" smtClean="0"/>
-              <a:t>3/31/2021</a:t>
+              <a:t>4/26/2021</a:t>
             </a:fld>
             <a:endParaRPr lang="en-US" dirty="0"/>
           </a:p>
@@ -2245,7 +2245,7 @@
           <a:p>
             <a:fld id="{01BED947-38D9-44AC-8B89-E79758333B77}" type="datetime1">
               <a:rPr lang="en-US" smtClean="0"/>
-              <a:t>3/31/2021</a:t>
+              <a:t>4/26/2021</a:t>
             </a:fld>
             <a:endParaRPr lang="en-US" dirty="0"/>
           </a:p>
@@ -2390,7 +2390,7 @@
           <a:p>
             <a:fld id="{3781E23F-BD3C-4F23-B116-2B758120C8AC}" type="datetime1">
               <a:rPr lang="en-US" smtClean="0"/>
-              <a:t>3/31/2021</a:t>
+              <a:t>4/26/2021</a:t>
             </a:fld>
             <a:endParaRPr lang="en-US" dirty="0"/>
           </a:p>
@@ -2507,7 +2507,7 @@
           <a:p>
             <a:fld id="{473CFAA9-6D59-4D98-869E-ACBDB83B2CA4}" type="datetime1">
               <a:rPr lang="en-US" smtClean="0"/>
-              <a:t>3/31/2021</a:t>
+              <a:t>4/26/2021</a:t>
             </a:fld>
             <a:endParaRPr lang="en-US"/>
           </a:p>
@@ -2822,7 +2822,7 @@
           <a:p>
             <a:fld id="{DC410804-27E3-430A-BB42-B831260DE39A}" type="datetime1">
               <a:rPr lang="en-US" smtClean="0"/>
-              <a:t>3/31/2021</a:t>
+              <a:t>4/26/2021</a:t>
             </a:fld>
             <a:endParaRPr lang="en-US" dirty="0"/>
           </a:p>
@@ -3114,7 +3114,7 @@
           <a:p>
             <a:fld id="{60E22DE3-3D1A-4D53-B9A6-6C7463B8C992}" type="datetime1">
               <a:rPr lang="en-US" smtClean="0"/>
-              <a:t>3/31/2021</a:t>
+              <a:t>4/26/2021</a:t>
             </a:fld>
             <a:endParaRPr lang="en-US" dirty="0"/>
           </a:p>
@@ -3363,7 +3363,7 @@
             <a:fld id="{5ECD8B30-1B71-45A1-8314-D59C86F581E1}" type="datetime1">
               <a:rPr lang="en-US" smtClean="0"/>
               <a:pPr/>
-              <a:t>3/31/2021</a:t>
+              <a:t>4/26/2021</a:t>
             </a:fld>
             <a:endParaRPr lang="en-US" b="1" dirty="0"/>
           </a:p>
@@ -20035,7 +20035,7 @@
                   <a:schemeClr val="bg1"/>
                 </a:solidFill>
               </a:rPr>
-              <a:t>(each set contains ‘2^e’ entries)</a:t>
+              <a:t>(each set contains ‘2^e’ (E) entries)</a:t>
             </a:r>
           </a:p>
           <a:p>
@@ -20054,7 +20054,23 @@
                   <a:schemeClr val="bg1"/>
                 </a:solidFill>
               </a:rPr>
-              <a:t>(mapping to any e in s)</a:t>
+              <a:t>(mapping to any </a:t>
+            </a:r>
+            <a:r>
+              <a:rPr lang="en-US" b="1" dirty="0">
+                <a:solidFill>
+                  <a:schemeClr val="bg1"/>
+                </a:solidFill>
+              </a:rPr>
+              <a:t>E</a:t>
+            </a:r>
+            <a:r>
+              <a:rPr lang="en-US" dirty="0">
+                <a:solidFill>
+                  <a:schemeClr val="bg1"/>
+                </a:solidFill>
+              </a:rPr>
+              <a:t> in s)</a:t>
             </a:r>
           </a:p>
         </p:txBody>
@@ -21372,8 +21388,16 @@
                   <a:schemeClr val="bg1"/>
                 </a:solidFill>
               </a:rPr>
-              <a:t>E-way Set Associative (N-set)</a:t>
+              <a:t>E-way Set Associative</a:t>
             </a:r>
+          </a:p>
+          <a:p>
+            <a:pPr algn="ctr"/>
+            <a:endParaRPr lang="en-US" dirty="0">
+              <a:solidFill>
+                <a:schemeClr val="bg1"/>
+              </a:solidFill>
+            </a:endParaRPr>
           </a:p>
           <a:p>
             <a:pPr algn="ctr"/>
@@ -21383,7 +21407,7 @@
                   <a:schemeClr val="bg1"/>
                 </a:solidFill>
               </a:rPr>
-              <a:t>(each set contains ‘2^e’ entries)</a:t>
+              <a:t>(each set contains ‘2^e’ (E) entries)</a:t>
             </a:r>
           </a:p>
           <a:p>
@@ -21402,7 +21426,23 @@
                   <a:schemeClr val="bg1"/>
                 </a:solidFill>
               </a:rPr>
-              <a:t>(mapping to any e in s)</a:t>
+              <a:t>(mapping to any </a:t>
+            </a:r>
+            <a:r>
+              <a:rPr lang="en-US" b="1" dirty="0">
+                <a:solidFill>
+                  <a:schemeClr val="bg1"/>
+                </a:solidFill>
+              </a:rPr>
+              <a:t>E</a:t>
+            </a:r>
+            <a:r>
+              <a:rPr lang="en-US" dirty="0">
+                <a:solidFill>
+                  <a:schemeClr val="bg1"/>
+                </a:solidFill>
+              </a:rPr>
+              <a:t> in s)</a:t>
             </a:r>
           </a:p>
         </p:txBody>
@@ -21557,7 +21597,7 @@
                   <a:schemeClr val="bg1"/>
                 </a:solidFill>
               </a:rPr>
-              <a:t>Let’s say we have an 8-way Set Associative Cache</a:t>
+              <a:t>Let’s say we have a 4-way Set Associative Cache</a:t>
             </a:r>
           </a:p>
           <a:p>
@@ -21694,7 +21734,7 @@
                   <a:schemeClr val="bg1"/>
                 </a:solidFill>
               </a:rPr>
-              <a:t>E = 8, so e = 3 (2^3=8)</a:t>
+              <a:t>E = 4, so e = 2 (2^2=4)</a:t>
             </a:r>
           </a:p>
           <a:p>
@@ -22110,76 +22150,6 @@
       </p:sp>
       <p:sp>
         <p:nvSpPr>
-          <p:cNvPr id="9" name="TextBox 8">
-            <a:extLst>
-              <a:ext uri="{FF2B5EF4-FFF2-40B4-BE49-F238E27FC236}">
-                <a16:creationId xmlns:a16="http://schemas.microsoft.com/office/drawing/2014/main" id="{486EB97C-0A97-47E9-ABC7-524C5E6C61CF}"/>
-              </a:ext>
-            </a:extLst>
-          </p:cNvPr>
-          <p:cNvSpPr txBox="1"/>
-          <p:nvPr/>
-        </p:nvSpPr>
-        <p:spPr>
-          <a:xfrm>
-            <a:off x="8716858" y="741705"/>
-            <a:ext cx="2534665" cy="1754326"/>
-          </a:xfrm>
-          <a:prstGeom prst="rect">
-            <a:avLst/>
-          </a:prstGeom>
-          <a:noFill/>
-        </p:spPr>
-        <p:txBody>
-          <a:bodyPr wrap="square" rtlCol="0">
-            <a:spAutoFit/>
-          </a:bodyPr>
-          <a:lstStyle/>
-          <a:p>
-            <a:pPr algn="ctr"/>
-            <a:r>
-              <a:rPr lang="en-US" dirty="0">
-                <a:solidFill>
-                  <a:schemeClr val="bg1"/>
-                </a:solidFill>
-              </a:rPr>
-              <a:t>E-way Set Associative (N-set)</a:t>
-            </a:r>
-          </a:p>
-          <a:p>
-            <a:pPr algn="ctr"/>
-            <a:r>
-              <a:rPr lang="en-US" dirty="0">
-                <a:solidFill>
-                  <a:schemeClr val="bg1"/>
-                </a:solidFill>
-              </a:rPr>
-              <a:t>(each set contains ‘2^e’ entries)</a:t>
-            </a:r>
-          </a:p>
-          <a:p>
-            <a:pPr algn="ctr"/>
-            <a:endParaRPr lang="en-US" dirty="0">
-              <a:solidFill>
-                <a:schemeClr val="bg1"/>
-              </a:solidFill>
-            </a:endParaRPr>
-          </a:p>
-          <a:p>
-            <a:pPr algn="ctr"/>
-            <a:r>
-              <a:rPr lang="en-US" dirty="0">
-                <a:solidFill>
-                  <a:schemeClr val="bg1"/>
-                </a:solidFill>
-              </a:rPr>
-              <a:t>(mapping to any e in s)</a:t>
-            </a:r>
-          </a:p>
-        </p:txBody>
-      </p:sp>
-      <p:sp>
-        <p:nvSpPr>
           <p:cNvPr id="13" name="Rectangle: Rounded Corners 12">
             <a:extLst>
               <a:ext uri="{FF2B5EF4-FFF2-40B4-BE49-F238E27FC236}">
@@ -22328,7 +22298,7 @@
                   <a:schemeClr val="bg1"/>
                 </a:solidFill>
               </a:rPr>
-              <a:t>Let’s say we have an 8-way Set Associative Cache</a:t>
+              <a:t>Let’s say we have a 4-way Set Associative Cache</a:t>
             </a:r>
           </a:p>
           <a:p>
@@ -22484,8 +22454,8 @@
         </p:nvSpPr>
         <p:spPr>
           <a:xfrm>
-            <a:off x="5513810" y="4182546"/>
-            <a:ext cx="677508" cy="369332"/>
+            <a:off x="5513809" y="4182546"/>
+            <a:ext cx="852555" cy="369332"/>
           </a:xfrm>
           <a:prstGeom prst="rect">
             <a:avLst/>
@@ -22505,7 +22475,7 @@
                   <a:schemeClr val="bg1"/>
                 </a:solidFill>
               </a:rPr>
-              <a:t>1110</a:t>
+              <a:t>11100</a:t>
             </a:r>
           </a:p>
         </p:txBody>
@@ -22524,7 +22494,7 @@
         </p:nvSpPr>
         <p:spPr>
           <a:xfrm>
-            <a:off x="5981701" y="4182546"/>
+            <a:off x="6035321" y="4182546"/>
             <a:ext cx="554848" cy="369332"/>
           </a:xfrm>
           <a:prstGeom prst="rect">
@@ -22545,7 +22515,101 @@
                   <a:schemeClr val="bg1"/>
                 </a:solidFill>
               </a:rPr>
-              <a:t>001</a:t>
+              <a:t>01</a:t>
+            </a:r>
+          </a:p>
+        </p:txBody>
+      </p:sp>
+      <p:sp>
+        <p:nvSpPr>
+          <p:cNvPr id="20" name="TextBox 19">
+            <a:extLst>
+              <a:ext uri="{FF2B5EF4-FFF2-40B4-BE49-F238E27FC236}">
+                <a16:creationId xmlns:a16="http://schemas.microsoft.com/office/drawing/2014/main" id="{3E86FD89-AE4C-486C-B485-B04475A2FADD}"/>
+              </a:ext>
+            </a:extLst>
+          </p:cNvPr>
+          <p:cNvSpPr txBox="1"/>
+          <p:nvPr/>
+        </p:nvSpPr>
+        <p:spPr>
+          <a:xfrm>
+            <a:off x="8716858" y="741705"/>
+            <a:ext cx="2534665" cy="1754326"/>
+          </a:xfrm>
+          <a:prstGeom prst="rect">
+            <a:avLst/>
+          </a:prstGeom>
+          <a:noFill/>
+        </p:spPr>
+        <p:txBody>
+          <a:bodyPr wrap="square" rtlCol="0">
+            <a:spAutoFit/>
+          </a:bodyPr>
+          <a:lstStyle/>
+          <a:p>
+            <a:pPr algn="ctr"/>
+            <a:r>
+              <a:rPr lang="en-US" dirty="0">
+                <a:solidFill>
+                  <a:schemeClr val="bg1"/>
+                </a:solidFill>
+              </a:rPr>
+              <a:t>E-way Set Associative</a:t>
+            </a:r>
+          </a:p>
+          <a:p>
+            <a:pPr algn="ctr"/>
+            <a:endParaRPr lang="en-US" dirty="0">
+              <a:solidFill>
+                <a:schemeClr val="bg1"/>
+              </a:solidFill>
+            </a:endParaRPr>
+          </a:p>
+          <a:p>
+            <a:pPr algn="ctr"/>
+            <a:r>
+              <a:rPr lang="en-US" dirty="0">
+                <a:solidFill>
+                  <a:schemeClr val="bg1"/>
+                </a:solidFill>
+              </a:rPr>
+              <a:t>(each set contains ‘2^e’ (E) entries)</a:t>
+            </a:r>
+          </a:p>
+          <a:p>
+            <a:pPr algn="ctr"/>
+            <a:endParaRPr lang="en-US" dirty="0">
+              <a:solidFill>
+                <a:schemeClr val="bg1"/>
+              </a:solidFill>
+            </a:endParaRPr>
+          </a:p>
+          <a:p>
+            <a:pPr algn="ctr"/>
+            <a:r>
+              <a:rPr lang="en-US" dirty="0">
+                <a:solidFill>
+                  <a:schemeClr val="bg1"/>
+                </a:solidFill>
+              </a:rPr>
+              <a:t>(mapping to any </a:t>
+            </a:r>
+            <a:r>
+              <a:rPr lang="en-US" b="1" dirty="0">
+                <a:solidFill>
+                  <a:schemeClr val="bg1"/>
+                </a:solidFill>
+              </a:rPr>
+              <a:t>E</a:t>
+            </a:r>
+            <a:r>
+              <a:rPr lang="en-US" dirty="0">
+                <a:solidFill>
+                  <a:schemeClr val="bg1"/>
+                </a:solidFill>
+              </a:rPr>
+              <a:t> in s)</a:t>
             </a:r>
           </a:p>
         </p:txBody>
@@ -22815,76 +22879,6 @@
       </p:sp>
       <p:sp>
         <p:nvSpPr>
-          <p:cNvPr id="9" name="TextBox 8">
-            <a:extLst>
-              <a:ext uri="{FF2B5EF4-FFF2-40B4-BE49-F238E27FC236}">
-                <a16:creationId xmlns:a16="http://schemas.microsoft.com/office/drawing/2014/main" id="{486EB97C-0A97-47E9-ABC7-524C5E6C61CF}"/>
-              </a:ext>
-            </a:extLst>
-          </p:cNvPr>
-          <p:cNvSpPr txBox="1"/>
-          <p:nvPr/>
-        </p:nvSpPr>
-        <p:spPr>
-          <a:xfrm>
-            <a:off x="8716858" y="741705"/>
-            <a:ext cx="2534665" cy="1754326"/>
-          </a:xfrm>
-          <a:prstGeom prst="rect">
-            <a:avLst/>
-          </a:prstGeom>
-          <a:noFill/>
-        </p:spPr>
-        <p:txBody>
-          <a:bodyPr wrap="square" rtlCol="0">
-            <a:spAutoFit/>
-          </a:bodyPr>
-          <a:lstStyle/>
-          <a:p>
-            <a:pPr algn="ctr"/>
-            <a:r>
-              <a:rPr lang="en-US" dirty="0">
-                <a:solidFill>
-                  <a:schemeClr val="bg1"/>
-                </a:solidFill>
-              </a:rPr>
-              <a:t>E-way Set Associative (N-set)</a:t>
-            </a:r>
-          </a:p>
-          <a:p>
-            <a:pPr algn="ctr"/>
-            <a:r>
-              <a:rPr lang="en-US" dirty="0">
-                <a:solidFill>
-                  <a:schemeClr val="bg1"/>
-                </a:solidFill>
-              </a:rPr>
-              <a:t>(each set contains ‘2^e’ entries)</a:t>
-            </a:r>
-          </a:p>
-          <a:p>
-            <a:pPr algn="ctr"/>
-            <a:endParaRPr lang="en-US" dirty="0">
-              <a:solidFill>
-                <a:schemeClr val="bg1"/>
-              </a:solidFill>
-            </a:endParaRPr>
-          </a:p>
-          <a:p>
-            <a:pPr algn="ctr"/>
-            <a:r>
-              <a:rPr lang="en-US" dirty="0">
-                <a:solidFill>
-                  <a:schemeClr val="bg1"/>
-                </a:solidFill>
-              </a:rPr>
-              <a:t>(mapping to any e in s)</a:t>
-            </a:r>
-          </a:p>
-        </p:txBody>
-      </p:sp>
-      <p:sp>
-        <p:nvSpPr>
           <p:cNvPr id="13" name="Rectangle: Rounded Corners 12">
             <a:extLst>
               <a:ext uri="{FF2B5EF4-FFF2-40B4-BE49-F238E27FC236}">
@@ -23033,7 +23027,7 @@
                   <a:schemeClr val="bg1"/>
                 </a:solidFill>
               </a:rPr>
-              <a:t>Let’s say we have an 8-way Set Associative Cache</a:t>
+              <a:t>Let’s say we have a 4-way Set Associative Cache</a:t>
             </a:r>
           </a:p>
           <a:p>
@@ -23221,7 +23215,7 @@
                   <a:schemeClr val="bg1"/>
                 </a:solidFill>
               </a:rPr>
-              <a:t>1110</a:t>
+              <a:t>11100</a:t>
             </a:r>
           </a:p>
           <a:p>
@@ -23272,7 +23266,7 @@
                   <a:schemeClr val="bg1"/>
                 </a:solidFill>
               </a:rPr>
-              <a:t>001</a:t>
+              <a:t>01</a:t>
             </a:r>
           </a:p>
           <a:p>
@@ -23284,6 +23278,100 @@
                 </a:solidFill>
               </a:rPr>
               <a:t>Set Index</a:t>
+            </a:r>
+          </a:p>
+        </p:txBody>
+      </p:sp>
+      <p:sp>
+        <p:nvSpPr>
+          <p:cNvPr id="18" name="TextBox 17">
+            <a:extLst>
+              <a:ext uri="{FF2B5EF4-FFF2-40B4-BE49-F238E27FC236}">
+                <a16:creationId xmlns:a16="http://schemas.microsoft.com/office/drawing/2014/main" id="{DCCBD96F-DD9B-4CBC-ACB1-84C2A7B9B1AE}"/>
+              </a:ext>
+            </a:extLst>
+          </p:cNvPr>
+          <p:cNvSpPr txBox="1"/>
+          <p:nvPr/>
+        </p:nvSpPr>
+        <p:spPr>
+          <a:xfrm>
+            <a:off x="8716858" y="741705"/>
+            <a:ext cx="2534665" cy="1754326"/>
+          </a:xfrm>
+          <a:prstGeom prst="rect">
+            <a:avLst/>
+          </a:prstGeom>
+          <a:noFill/>
+        </p:spPr>
+        <p:txBody>
+          <a:bodyPr wrap="square" rtlCol="0">
+            <a:spAutoFit/>
+          </a:bodyPr>
+          <a:lstStyle/>
+          <a:p>
+            <a:pPr algn="ctr"/>
+            <a:r>
+              <a:rPr lang="en-US" dirty="0">
+                <a:solidFill>
+                  <a:schemeClr val="bg1"/>
+                </a:solidFill>
+              </a:rPr>
+              <a:t>E-way Set Associative</a:t>
+            </a:r>
+          </a:p>
+          <a:p>
+            <a:pPr algn="ctr"/>
+            <a:endParaRPr lang="en-US" dirty="0">
+              <a:solidFill>
+                <a:schemeClr val="bg1"/>
+              </a:solidFill>
+            </a:endParaRPr>
+          </a:p>
+          <a:p>
+            <a:pPr algn="ctr"/>
+            <a:r>
+              <a:rPr lang="en-US" dirty="0">
+                <a:solidFill>
+                  <a:schemeClr val="bg1"/>
+                </a:solidFill>
+              </a:rPr>
+              <a:t>(each set contains ‘2^e’ (E) entries)</a:t>
+            </a:r>
+          </a:p>
+          <a:p>
+            <a:pPr algn="ctr"/>
+            <a:endParaRPr lang="en-US" dirty="0">
+              <a:solidFill>
+                <a:schemeClr val="bg1"/>
+              </a:solidFill>
+            </a:endParaRPr>
+          </a:p>
+          <a:p>
+            <a:pPr algn="ctr"/>
+            <a:r>
+              <a:rPr lang="en-US" dirty="0">
+                <a:solidFill>
+                  <a:schemeClr val="bg1"/>
+                </a:solidFill>
+              </a:rPr>
+              <a:t>(mapping to any </a:t>
+            </a:r>
+            <a:r>
+              <a:rPr lang="en-US" b="1" dirty="0">
+                <a:solidFill>
+                  <a:schemeClr val="bg1"/>
+                </a:solidFill>
+              </a:rPr>
+              <a:t>E</a:t>
+            </a:r>
+            <a:r>
+              <a:rPr lang="en-US" dirty="0">
+                <a:solidFill>
+                  <a:schemeClr val="bg1"/>
+                </a:solidFill>
+              </a:rPr>
+              <a:t> in s)</a:t>
             </a:r>
           </a:p>
         </p:txBody>
@@ -23393,76 +23481,6 @@
           <a:p>
             <a:pPr algn="ctr"/>
             <a:endParaRPr lang="en-US"/>
-          </a:p>
-        </p:txBody>
-      </p:sp>
-      <p:sp>
-        <p:nvSpPr>
-          <p:cNvPr id="9" name="TextBox 8">
-            <a:extLst>
-              <a:ext uri="{FF2B5EF4-FFF2-40B4-BE49-F238E27FC236}">
-                <a16:creationId xmlns:a16="http://schemas.microsoft.com/office/drawing/2014/main" id="{486EB97C-0A97-47E9-ABC7-524C5E6C61CF}"/>
-              </a:ext>
-            </a:extLst>
-          </p:cNvPr>
-          <p:cNvSpPr txBox="1"/>
-          <p:nvPr/>
-        </p:nvSpPr>
-        <p:spPr>
-          <a:xfrm>
-            <a:off x="8716858" y="741705"/>
-            <a:ext cx="2534665" cy="1754326"/>
-          </a:xfrm>
-          <a:prstGeom prst="rect">
-            <a:avLst/>
-          </a:prstGeom>
-          <a:noFill/>
-        </p:spPr>
-        <p:txBody>
-          <a:bodyPr wrap="square" rtlCol="0">
-            <a:spAutoFit/>
-          </a:bodyPr>
-          <a:lstStyle/>
-          <a:p>
-            <a:pPr algn="ctr"/>
-            <a:r>
-              <a:rPr lang="en-US" dirty="0">
-                <a:solidFill>
-                  <a:schemeClr val="bg1"/>
-                </a:solidFill>
-              </a:rPr>
-              <a:t>E-way Set Associative (N-set)</a:t>
-            </a:r>
-          </a:p>
-          <a:p>
-            <a:pPr algn="ctr"/>
-            <a:r>
-              <a:rPr lang="en-US" dirty="0">
-                <a:solidFill>
-                  <a:schemeClr val="bg1"/>
-                </a:solidFill>
-              </a:rPr>
-              <a:t>(each set contains ‘2^e’ entries)</a:t>
-            </a:r>
-          </a:p>
-          <a:p>
-            <a:pPr algn="ctr"/>
-            <a:endParaRPr lang="en-US" dirty="0">
-              <a:solidFill>
-                <a:schemeClr val="bg1"/>
-              </a:solidFill>
-            </a:endParaRPr>
-          </a:p>
-          <a:p>
-            <a:pPr algn="ctr"/>
-            <a:r>
-              <a:rPr lang="en-US" dirty="0">
-                <a:solidFill>
-                  <a:schemeClr val="bg1"/>
-                </a:solidFill>
-              </a:rPr>
-              <a:t>(mapping to any e in s)</a:t>
-            </a:r>
           </a:p>
         </p:txBody>
       </p:sp>
@@ -23754,7 +23772,7 @@
                   <a:schemeClr val="bg1"/>
                 </a:solidFill>
               </a:rPr>
-              <a:t>1110</a:t>
+              <a:t>11100</a:t>
             </a:r>
           </a:p>
           <a:p>
@@ -23805,7 +23823,7 @@
                   <a:schemeClr val="bg1"/>
                 </a:solidFill>
               </a:rPr>
-              <a:t>001</a:t>
+              <a:t>01</a:t>
             </a:r>
           </a:p>
           <a:p>
@@ -23885,14 +23903,14 @@
           <p:nvPr>
             <p:extLst>
               <p:ext uri="{D42A27DB-BD31-4B8C-83A1-F6EECF244321}">
-                <p14:modId xmlns:p14="http://schemas.microsoft.com/office/powerpoint/2010/main" val="878806453"/>
+                <p14:modId xmlns:p14="http://schemas.microsoft.com/office/powerpoint/2010/main" val="1448759724"/>
               </p:ext>
             </p:extLst>
           </p:nvPr>
         </p:nvGraphicFramePr>
         <p:xfrm>
           <a:off x="1555313" y="2808495"/>
-          <a:ext cx="3638550" cy="1720504"/>
+          <a:ext cx="3638552" cy="1720504"/>
         </p:xfrm>
         <a:graphic>
           <a:graphicData uri="http://schemas.openxmlformats.org/drawingml/2006/table">
@@ -23901,24 +23919,31 @@
                 <a:tableStyleId>{5C22544A-7EE6-4342-B048-85BDC9FD1C3A}</a:tableStyleId>
               </a:tblPr>
               <a:tblGrid>
-                <a:gridCol w="1212850">
+                <a:gridCol w="909638">
                   <a:extLst>
                     <a:ext uri="{9D8B030D-6E8A-4147-A177-3AD203B41FA5}">
                       <a16:colId xmlns:a16="http://schemas.microsoft.com/office/drawing/2014/main" val="4177000608"/>
                     </a:ext>
                   </a:extLst>
                 </a:gridCol>
-                <a:gridCol w="1212850">
+                <a:gridCol w="909638">
                   <a:extLst>
                     <a:ext uri="{9D8B030D-6E8A-4147-A177-3AD203B41FA5}">
                       <a16:colId xmlns:a16="http://schemas.microsoft.com/office/drawing/2014/main" val="1811945546"/>
                     </a:ext>
                   </a:extLst>
                 </a:gridCol>
-                <a:gridCol w="1212850">
+                <a:gridCol w="909638">
                   <a:extLst>
                     <a:ext uri="{9D8B030D-6E8A-4147-A177-3AD203B41FA5}">
                       <a16:colId xmlns:a16="http://schemas.microsoft.com/office/drawing/2014/main" val="3124206422"/>
+                    </a:ext>
+                  </a:extLst>
+                </a:gridCol>
+                <a:gridCol w="909638">
+                  <a:extLst>
+                    <a:ext uri="{9D8B030D-6E8A-4147-A177-3AD203B41FA5}">
+                      <a16:colId xmlns:a16="http://schemas.microsoft.com/office/drawing/2014/main" val="3247114977"/>
                     </a:ext>
                   </a:extLst>
                 </a:gridCol>
@@ -24101,6 +24126,57 @@
                     </a:solidFill>
                   </a:tcPr>
                 </a:tc>
+                <a:tc>
+                  <a:txBody>
+                    <a:bodyPr/>
+                    <a:lstStyle/>
+                    <a:p>
+                      <a:pPr algn="ctr"/>
+                      <a:endParaRPr lang="en-US" dirty="0"/>
+                    </a:p>
+                  </a:txBody>
+                  <a:tcPr>
+                    <a:lnL w="12700" cap="flat" cmpd="sng" algn="ctr">
+                      <a:solidFill>
+                        <a:schemeClr val="tx1"/>
+                      </a:solidFill>
+                      <a:prstDash val="solid"/>
+                      <a:round/>
+                      <a:headEnd type="none" w="med" len="med"/>
+                      <a:tailEnd type="none" w="med" len="med"/>
+                    </a:lnL>
+                    <a:lnR w="12700" cap="flat" cmpd="sng" algn="ctr">
+                      <a:solidFill>
+                        <a:schemeClr val="tx1"/>
+                      </a:solidFill>
+                      <a:prstDash val="solid"/>
+                      <a:round/>
+                      <a:headEnd type="none" w="med" len="med"/>
+                      <a:tailEnd type="none" w="med" len="med"/>
+                    </a:lnR>
+                    <a:lnT w="12700" cap="flat" cmpd="sng" algn="ctr">
+                      <a:solidFill>
+                        <a:schemeClr val="tx1"/>
+                      </a:solidFill>
+                      <a:prstDash val="solid"/>
+                      <a:round/>
+                      <a:headEnd type="none" w="med" len="med"/>
+                      <a:tailEnd type="none" w="med" len="med"/>
+                    </a:lnT>
+                    <a:lnB w="12700" cap="flat" cmpd="sng" algn="ctr">
+                      <a:solidFill>
+                        <a:schemeClr val="tx1"/>
+                      </a:solidFill>
+                      <a:prstDash val="solid"/>
+                      <a:round/>
+                      <a:headEnd type="none" w="med" len="med"/>
+                      <a:tailEnd type="none" w="med" len="med"/>
+                    </a:lnB>
+                    <a:solidFill>
+                      <a:schemeClr val="bg1"/>
+                    </a:solidFill>
+                  </a:tcPr>
+                </a:tc>
                 <a:extLst>
                   <a:ext uri="{0D108BD9-81ED-4DB2-BD59-A6C34878D82A}">
                     <a16:rowId xmlns:a16="http://schemas.microsoft.com/office/drawing/2014/main" val="365532486"/>
@@ -24108,6 +24184,57 @@
                 </a:extLst>
               </a:tr>
               <a:tr h="430126">
+                <a:tc>
+                  <a:txBody>
+                    <a:bodyPr/>
+                    <a:lstStyle/>
+                    <a:p>
+                      <a:pPr algn="ctr"/>
+                      <a:endParaRPr lang="en-US" b="1" dirty="0"/>
+                    </a:p>
+                  </a:txBody>
+                  <a:tcPr>
+                    <a:lnL w="12700" cap="flat" cmpd="sng" algn="ctr">
+                      <a:solidFill>
+                        <a:schemeClr val="tx1"/>
+                      </a:solidFill>
+                      <a:prstDash val="solid"/>
+                      <a:round/>
+                      <a:headEnd type="none" w="med" len="med"/>
+                      <a:tailEnd type="none" w="med" len="med"/>
+                    </a:lnL>
+                    <a:lnR w="12700" cap="flat" cmpd="sng" algn="ctr">
+                      <a:solidFill>
+                        <a:schemeClr val="tx1"/>
+                      </a:solidFill>
+                      <a:prstDash val="solid"/>
+                      <a:round/>
+                      <a:headEnd type="none" w="med" len="med"/>
+                      <a:tailEnd type="none" w="med" len="med"/>
+                    </a:lnR>
+                    <a:lnT w="12700" cap="flat" cmpd="sng" algn="ctr">
+                      <a:solidFill>
+                        <a:schemeClr val="tx1"/>
+                      </a:solidFill>
+                      <a:prstDash val="solid"/>
+                      <a:round/>
+                      <a:headEnd type="none" w="med" len="med"/>
+                      <a:tailEnd type="none" w="med" len="med"/>
+                    </a:lnT>
+                    <a:lnB w="12700" cap="flat" cmpd="sng" algn="ctr">
+                      <a:solidFill>
+                        <a:schemeClr val="tx1"/>
+                      </a:solidFill>
+                      <a:prstDash val="solid"/>
+                      <a:round/>
+                      <a:headEnd type="none" w="med" len="med"/>
+                      <a:tailEnd type="none" w="med" len="med"/>
+                    </a:lnB>
+                    <a:solidFill>
+                      <a:schemeClr val="bg1"/>
+                    </a:solidFill>
+                  </a:tcPr>
+                </a:tc>
                 <a:tc>
                   <a:txBody>
                     <a:bodyPr/>
@@ -24421,6 +24548,57 @@
                     </a:solidFill>
                   </a:tcPr>
                 </a:tc>
+                <a:tc>
+                  <a:txBody>
+                    <a:bodyPr/>
+                    <a:lstStyle/>
+                    <a:p>
+                      <a:pPr algn="ctr"/>
+                      <a:endParaRPr lang="en-US" b="1" dirty="0"/>
+                    </a:p>
+                  </a:txBody>
+                  <a:tcPr>
+                    <a:lnL w="12700" cap="flat" cmpd="sng" algn="ctr">
+                      <a:solidFill>
+                        <a:schemeClr val="tx1"/>
+                      </a:solidFill>
+                      <a:prstDash val="solid"/>
+                      <a:round/>
+                      <a:headEnd type="none" w="med" len="med"/>
+                      <a:tailEnd type="none" w="med" len="med"/>
+                    </a:lnL>
+                    <a:lnR w="12700" cap="flat" cmpd="sng" algn="ctr">
+                      <a:solidFill>
+                        <a:schemeClr val="tx1"/>
+                      </a:solidFill>
+                      <a:prstDash val="solid"/>
+                      <a:round/>
+                      <a:headEnd type="none" w="med" len="med"/>
+                      <a:tailEnd type="none" w="med" len="med"/>
+                    </a:lnR>
+                    <a:lnT w="12700" cap="flat" cmpd="sng" algn="ctr">
+                      <a:solidFill>
+                        <a:schemeClr val="tx1"/>
+                      </a:solidFill>
+                      <a:prstDash val="solid"/>
+                      <a:round/>
+                      <a:headEnd type="none" w="med" len="med"/>
+                      <a:tailEnd type="none" w="med" len="med"/>
+                    </a:lnT>
+                    <a:lnB w="12700" cap="flat" cmpd="sng" algn="ctr">
+                      <a:solidFill>
+                        <a:schemeClr val="tx1"/>
+                      </a:solidFill>
+                      <a:prstDash val="solid"/>
+                      <a:round/>
+                      <a:headEnd type="none" w="med" len="med"/>
+                      <a:tailEnd type="none" w="med" len="med"/>
+                    </a:lnB>
+                    <a:solidFill>
+                      <a:schemeClr val="bg1"/>
+                    </a:solidFill>
+                  </a:tcPr>
+                </a:tc>
                 <a:extLst>
                   <a:ext uri="{0D108BD9-81ED-4DB2-BD59-A6C34878D82A}">
                     <a16:rowId xmlns:a16="http://schemas.microsoft.com/office/drawing/2014/main" val="910194687"/>
@@ -24428,6 +24606,57 @@
                 </a:extLst>
               </a:tr>
               <a:tr h="430126">
+                <a:tc>
+                  <a:txBody>
+                    <a:bodyPr/>
+                    <a:lstStyle/>
+                    <a:p>
+                      <a:pPr algn="ctr"/>
+                      <a:endParaRPr lang="en-US" b="1" dirty="0"/>
+                    </a:p>
+                  </a:txBody>
+                  <a:tcPr>
+                    <a:lnL w="12700" cap="flat" cmpd="sng" algn="ctr">
+                      <a:solidFill>
+                        <a:schemeClr val="tx1"/>
+                      </a:solidFill>
+                      <a:prstDash val="solid"/>
+                      <a:round/>
+                      <a:headEnd type="none" w="med" len="med"/>
+                      <a:tailEnd type="none" w="med" len="med"/>
+                    </a:lnL>
+                    <a:lnR w="12700" cap="flat" cmpd="sng" algn="ctr">
+                      <a:solidFill>
+                        <a:schemeClr val="tx1"/>
+                      </a:solidFill>
+                      <a:prstDash val="solid"/>
+                      <a:round/>
+                      <a:headEnd type="none" w="med" len="med"/>
+                      <a:tailEnd type="none" w="med" len="med"/>
+                    </a:lnR>
+                    <a:lnT w="12700" cap="flat" cmpd="sng" algn="ctr">
+                      <a:solidFill>
+                        <a:schemeClr val="tx1"/>
+                      </a:solidFill>
+                      <a:prstDash val="solid"/>
+                      <a:round/>
+                      <a:headEnd type="none" w="med" len="med"/>
+                      <a:tailEnd type="none" w="med" len="med"/>
+                    </a:lnT>
+                    <a:lnB w="12700" cap="flat" cmpd="sng" algn="ctr">
+                      <a:solidFill>
+                        <a:schemeClr val="tx1"/>
+                      </a:solidFill>
+                      <a:prstDash val="solid"/>
+                      <a:round/>
+                      <a:headEnd type="none" w="med" len="med"/>
+                      <a:tailEnd type="none" w="med" len="med"/>
+                    </a:lnB>
+                    <a:solidFill>
+                      <a:schemeClr val="bg1"/>
+                    </a:solidFill>
+                  </a:tcPr>
+                </a:tc>
                 <a:tc>
                   <a:txBody>
                     <a:bodyPr/>
@@ -24764,7 +24993,101 @@
                   <a:schemeClr val="bg1"/>
                 </a:solidFill>
               </a:rPr>
-              <a:t>e = 3</a:t>
+              <a:t>E = 4</a:t>
+            </a:r>
+          </a:p>
+        </p:txBody>
+      </p:sp>
+      <p:sp>
+        <p:nvSpPr>
+          <p:cNvPr id="24" name="TextBox 23">
+            <a:extLst>
+              <a:ext uri="{FF2B5EF4-FFF2-40B4-BE49-F238E27FC236}">
+                <a16:creationId xmlns:a16="http://schemas.microsoft.com/office/drawing/2014/main" id="{5387179C-CA4D-46E1-9F3E-2724A522822E}"/>
+              </a:ext>
+            </a:extLst>
+          </p:cNvPr>
+          <p:cNvSpPr txBox="1"/>
+          <p:nvPr/>
+        </p:nvSpPr>
+        <p:spPr>
+          <a:xfrm>
+            <a:off x="8716858" y="741705"/>
+            <a:ext cx="2534665" cy="1754326"/>
+          </a:xfrm>
+          <a:prstGeom prst="rect">
+            <a:avLst/>
+          </a:prstGeom>
+          <a:noFill/>
+        </p:spPr>
+        <p:txBody>
+          <a:bodyPr wrap="square" rtlCol="0">
+            <a:spAutoFit/>
+          </a:bodyPr>
+          <a:lstStyle/>
+          <a:p>
+            <a:pPr algn="ctr"/>
+            <a:r>
+              <a:rPr lang="en-US" dirty="0">
+                <a:solidFill>
+                  <a:schemeClr val="bg1"/>
+                </a:solidFill>
+              </a:rPr>
+              <a:t>E-way Set Associative</a:t>
+            </a:r>
+          </a:p>
+          <a:p>
+            <a:pPr algn="ctr"/>
+            <a:endParaRPr lang="en-US" dirty="0">
+              <a:solidFill>
+                <a:schemeClr val="bg1"/>
+              </a:solidFill>
+            </a:endParaRPr>
+          </a:p>
+          <a:p>
+            <a:pPr algn="ctr"/>
+            <a:r>
+              <a:rPr lang="en-US" dirty="0">
+                <a:solidFill>
+                  <a:schemeClr val="bg1"/>
+                </a:solidFill>
+              </a:rPr>
+              <a:t>(each set contains ‘2^e’ (E) entries)</a:t>
+            </a:r>
+          </a:p>
+          <a:p>
+            <a:pPr algn="ctr"/>
+            <a:endParaRPr lang="en-US" dirty="0">
+              <a:solidFill>
+                <a:schemeClr val="bg1"/>
+              </a:solidFill>
+            </a:endParaRPr>
+          </a:p>
+          <a:p>
+            <a:pPr algn="ctr"/>
+            <a:r>
+              <a:rPr lang="en-US" dirty="0">
+                <a:solidFill>
+                  <a:schemeClr val="bg1"/>
+                </a:solidFill>
+              </a:rPr>
+              <a:t>(mapping to any </a:t>
+            </a:r>
+            <a:r>
+              <a:rPr lang="en-US" b="1" dirty="0">
+                <a:solidFill>
+                  <a:schemeClr val="bg1"/>
+                </a:solidFill>
+              </a:rPr>
+              <a:t>E</a:t>
+            </a:r>
+            <a:r>
+              <a:rPr lang="en-US" dirty="0">
+                <a:solidFill>
+                  <a:schemeClr val="bg1"/>
+                </a:solidFill>
+              </a:rPr>
+              <a:t> in s)</a:t>
             </a:r>
           </a:p>
         </p:txBody>
@@ -25104,76 +25427,6 @@
       </p:sp>
       <p:sp>
         <p:nvSpPr>
-          <p:cNvPr id="9" name="TextBox 8">
-            <a:extLst>
-              <a:ext uri="{FF2B5EF4-FFF2-40B4-BE49-F238E27FC236}">
-                <a16:creationId xmlns:a16="http://schemas.microsoft.com/office/drawing/2014/main" id="{486EB97C-0A97-47E9-ABC7-524C5E6C61CF}"/>
-              </a:ext>
-            </a:extLst>
-          </p:cNvPr>
-          <p:cNvSpPr txBox="1"/>
-          <p:nvPr/>
-        </p:nvSpPr>
-        <p:spPr>
-          <a:xfrm>
-            <a:off x="8716858" y="741705"/>
-            <a:ext cx="2534665" cy="1754326"/>
-          </a:xfrm>
-          <a:prstGeom prst="rect">
-            <a:avLst/>
-          </a:prstGeom>
-          <a:noFill/>
-        </p:spPr>
-        <p:txBody>
-          <a:bodyPr wrap="square" rtlCol="0">
-            <a:spAutoFit/>
-          </a:bodyPr>
-          <a:lstStyle/>
-          <a:p>
-            <a:pPr algn="ctr"/>
-            <a:r>
-              <a:rPr lang="en-US" dirty="0">
-                <a:solidFill>
-                  <a:schemeClr val="bg1"/>
-                </a:solidFill>
-              </a:rPr>
-              <a:t>E-way Set Associative (N-set)</a:t>
-            </a:r>
-          </a:p>
-          <a:p>
-            <a:pPr algn="ctr"/>
-            <a:r>
-              <a:rPr lang="en-US" dirty="0">
-                <a:solidFill>
-                  <a:schemeClr val="bg1"/>
-                </a:solidFill>
-              </a:rPr>
-              <a:t>(each set contains ‘2^e’ entries)</a:t>
-            </a:r>
-          </a:p>
-          <a:p>
-            <a:pPr algn="ctr"/>
-            <a:endParaRPr lang="en-US" dirty="0">
-              <a:solidFill>
-                <a:schemeClr val="bg1"/>
-              </a:solidFill>
-            </a:endParaRPr>
-          </a:p>
-          <a:p>
-            <a:pPr algn="ctr"/>
-            <a:r>
-              <a:rPr lang="en-US" dirty="0">
-                <a:solidFill>
-                  <a:schemeClr val="bg1"/>
-                </a:solidFill>
-              </a:rPr>
-              <a:t>(mapping to any e in s)</a:t>
-            </a:r>
-          </a:p>
-        </p:txBody>
-      </p:sp>
-      <p:sp>
-        <p:nvSpPr>
           <p:cNvPr id="13" name="Rectangle: Rounded Corners 12">
             <a:extLst>
               <a:ext uri="{FF2B5EF4-FFF2-40B4-BE49-F238E27FC236}">
@@ -25460,7 +25713,7 @@
                   <a:schemeClr val="bg1"/>
                 </a:solidFill>
               </a:rPr>
-              <a:t>1110</a:t>
+              <a:t>11100</a:t>
             </a:r>
           </a:p>
           <a:p>
@@ -25511,7 +25764,7 @@
                   <a:schemeClr val="bg1"/>
                 </a:solidFill>
               </a:rPr>
-              <a:t>001</a:t>
+              <a:t>01</a:t>
             </a:r>
           </a:p>
           <a:p>
@@ -25591,14 +25844,14 @@
           <p:nvPr>
             <p:extLst>
               <p:ext uri="{D42A27DB-BD31-4B8C-83A1-F6EECF244321}">
-                <p14:modId xmlns:p14="http://schemas.microsoft.com/office/powerpoint/2010/main" val="1982731795"/>
+                <p14:modId xmlns:p14="http://schemas.microsoft.com/office/powerpoint/2010/main" val="197839226"/>
               </p:ext>
             </p:extLst>
           </p:nvPr>
         </p:nvGraphicFramePr>
         <p:xfrm>
           <a:off x="1555313" y="2808495"/>
-          <a:ext cx="3638550" cy="1720504"/>
+          <a:ext cx="3638552" cy="1720504"/>
         </p:xfrm>
         <a:graphic>
           <a:graphicData uri="http://schemas.openxmlformats.org/drawingml/2006/table">
@@ -25607,24 +25860,31 @@
                 <a:tableStyleId>{5C22544A-7EE6-4342-B048-85BDC9FD1C3A}</a:tableStyleId>
               </a:tblPr>
               <a:tblGrid>
-                <a:gridCol w="1212850">
+                <a:gridCol w="909638">
                   <a:extLst>
                     <a:ext uri="{9D8B030D-6E8A-4147-A177-3AD203B41FA5}">
                       <a16:colId xmlns:a16="http://schemas.microsoft.com/office/drawing/2014/main" val="4177000608"/>
                     </a:ext>
                   </a:extLst>
                 </a:gridCol>
-                <a:gridCol w="1212850">
+                <a:gridCol w="909638">
                   <a:extLst>
                     <a:ext uri="{9D8B030D-6E8A-4147-A177-3AD203B41FA5}">
                       <a16:colId xmlns:a16="http://schemas.microsoft.com/office/drawing/2014/main" val="1811945546"/>
                     </a:ext>
                   </a:extLst>
                 </a:gridCol>
-                <a:gridCol w="1212850">
+                <a:gridCol w="909638">
                   <a:extLst>
                     <a:ext uri="{9D8B030D-6E8A-4147-A177-3AD203B41FA5}">
                       <a16:colId xmlns:a16="http://schemas.microsoft.com/office/drawing/2014/main" val="3124206422"/>
+                    </a:ext>
+                  </a:extLst>
+                </a:gridCol>
+                <a:gridCol w="909638">
+                  <a:extLst>
+                    <a:ext uri="{9D8B030D-6E8A-4147-A177-3AD203B41FA5}">
+                      <a16:colId xmlns:a16="http://schemas.microsoft.com/office/drawing/2014/main" val="2027159768"/>
                     </a:ext>
                   </a:extLst>
                 </a:gridCol>
@@ -25807,6 +26067,57 @@
                     </a:solidFill>
                   </a:tcPr>
                 </a:tc>
+                <a:tc>
+                  <a:txBody>
+                    <a:bodyPr/>
+                    <a:lstStyle/>
+                    <a:p>
+                      <a:pPr algn="ctr"/>
+                      <a:endParaRPr lang="en-US" dirty="0"/>
+                    </a:p>
+                  </a:txBody>
+                  <a:tcPr>
+                    <a:lnL w="12700" cap="flat" cmpd="sng" algn="ctr">
+                      <a:solidFill>
+                        <a:schemeClr val="tx1"/>
+                      </a:solidFill>
+                      <a:prstDash val="solid"/>
+                      <a:round/>
+                      <a:headEnd type="none" w="med" len="med"/>
+                      <a:tailEnd type="none" w="med" len="med"/>
+                    </a:lnL>
+                    <a:lnR w="12700" cap="flat" cmpd="sng" algn="ctr">
+                      <a:solidFill>
+                        <a:schemeClr val="tx1"/>
+                      </a:solidFill>
+                      <a:prstDash val="solid"/>
+                      <a:round/>
+                      <a:headEnd type="none" w="med" len="med"/>
+                      <a:tailEnd type="none" w="med" len="med"/>
+                    </a:lnR>
+                    <a:lnT w="12700" cap="flat" cmpd="sng" algn="ctr">
+                      <a:solidFill>
+                        <a:schemeClr val="tx1"/>
+                      </a:solidFill>
+                      <a:prstDash val="solid"/>
+                      <a:round/>
+                      <a:headEnd type="none" w="med" len="med"/>
+                      <a:tailEnd type="none" w="med" len="med"/>
+                    </a:lnT>
+                    <a:lnB w="12700" cap="flat" cmpd="sng" algn="ctr">
+                      <a:solidFill>
+                        <a:schemeClr val="tx1"/>
+                      </a:solidFill>
+                      <a:prstDash val="solid"/>
+                      <a:round/>
+                      <a:headEnd type="none" w="med" len="med"/>
+                      <a:tailEnd type="none" w="med" len="med"/>
+                    </a:lnB>
+                    <a:solidFill>
+                      <a:schemeClr val="bg1"/>
+                    </a:solidFill>
+                  </a:tcPr>
+                </a:tc>
                 <a:extLst>
                   <a:ext uri="{0D108BD9-81ED-4DB2-BD59-A6C34878D82A}">
                     <a16:rowId xmlns:a16="http://schemas.microsoft.com/office/drawing/2014/main" val="365532486"/>
@@ -25814,6 +26125,57 @@
                 </a:extLst>
               </a:tr>
               <a:tr h="430126">
+                <a:tc>
+                  <a:txBody>
+                    <a:bodyPr/>
+                    <a:lstStyle/>
+                    <a:p>
+                      <a:pPr algn="ctr"/>
+                      <a:endParaRPr lang="en-US" b="1" dirty="0"/>
+                    </a:p>
+                  </a:txBody>
+                  <a:tcPr>
+                    <a:lnL w="12700" cap="flat" cmpd="sng" algn="ctr">
+                      <a:solidFill>
+                        <a:schemeClr val="tx1"/>
+                      </a:solidFill>
+                      <a:prstDash val="solid"/>
+                      <a:round/>
+                      <a:headEnd type="none" w="med" len="med"/>
+                      <a:tailEnd type="none" w="med" len="med"/>
+                    </a:lnL>
+                    <a:lnR w="12700" cap="flat" cmpd="sng" algn="ctr">
+                      <a:solidFill>
+                        <a:schemeClr val="tx1"/>
+                      </a:solidFill>
+                      <a:prstDash val="solid"/>
+                      <a:round/>
+                      <a:headEnd type="none" w="med" len="med"/>
+                      <a:tailEnd type="none" w="med" len="med"/>
+                    </a:lnR>
+                    <a:lnT w="12700" cap="flat" cmpd="sng" algn="ctr">
+                      <a:solidFill>
+                        <a:schemeClr val="tx1"/>
+                      </a:solidFill>
+                      <a:prstDash val="solid"/>
+                      <a:round/>
+                      <a:headEnd type="none" w="med" len="med"/>
+                      <a:tailEnd type="none" w="med" len="med"/>
+                    </a:lnT>
+                    <a:lnB w="12700" cap="flat" cmpd="sng" algn="ctr">
+                      <a:solidFill>
+                        <a:schemeClr val="tx1"/>
+                      </a:solidFill>
+                      <a:prstDash val="solid"/>
+                      <a:round/>
+                      <a:headEnd type="none" w="med" len="med"/>
+                      <a:tailEnd type="none" w="med" len="med"/>
+                    </a:lnB>
+                    <a:solidFill>
+                      <a:srgbClr val="00B050"/>
+                    </a:solidFill>
+                  </a:tcPr>
+                </a:tc>
                 <a:tc>
                   <a:txBody>
                     <a:bodyPr/>
@@ -26127,6 +26489,57 @@
                     </a:solidFill>
                   </a:tcPr>
                 </a:tc>
+                <a:tc>
+                  <a:txBody>
+                    <a:bodyPr/>
+                    <a:lstStyle/>
+                    <a:p>
+                      <a:pPr algn="ctr"/>
+                      <a:endParaRPr lang="en-US" b="1" dirty="0"/>
+                    </a:p>
+                  </a:txBody>
+                  <a:tcPr>
+                    <a:lnL w="12700" cap="flat" cmpd="sng" algn="ctr">
+                      <a:solidFill>
+                        <a:schemeClr val="tx1"/>
+                      </a:solidFill>
+                      <a:prstDash val="solid"/>
+                      <a:round/>
+                      <a:headEnd type="none" w="med" len="med"/>
+                      <a:tailEnd type="none" w="med" len="med"/>
+                    </a:lnL>
+                    <a:lnR w="12700" cap="flat" cmpd="sng" algn="ctr">
+                      <a:solidFill>
+                        <a:schemeClr val="tx1"/>
+                      </a:solidFill>
+                      <a:prstDash val="solid"/>
+                      <a:round/>
+                      <a:headEnd type="none" w="med" len="med"/>
+                      <a:tailEnd type="none" w="med" len="med"/>
+                    </a:lnR>
+                    <a:lnT w="12700" cap="flat" cmpd="sng" algn="ctr">
+                      <a:solidFill>
+                        <a:schemeClr val="tx1"/>
+                      </a:solidFill>
+                      <a:prstDash val="solid"/>
+                      <a:round/>
+                      <a:headEnd type="none" w="med" len="med"/>
+                      <a:tailEnd type="none" w="med" len="med"/>
+                    </a:lnT>
+                    <a:lnB w="12700" cap="flat" cmpd="sng" algn="ctr">
+                      <a:solidFill>
+                        <a:schemeClr val="tx1"/>
+                      </a:solidFill>
+                      <a:prstDash val="solid"/>
+                      <a:round/>
+                      <a:headEnd type="none" w="med" len="med"/>
+                      <a:tailEnd type="none" w="med" len="med"/>
+                    </a:lnB>
+                    <a:solidFill>
+                      <a:schemeClr val="bg1"/>
+                    </a:solidFill>
+                  </a:tcPr>
+                </a:tc>
                 <a:extLst>
                   <a:ext uri="{0D108BD9-81ED-4DB2-BD59-A6C34878D82A}">
                     <a16:rowId xmlns:a16="http://schemas.microsoft.com/office/drawing/2014/main" val="910194687"/>
@@ -26134,6 +26547,57 @@
                 </a:extLst>
               </a:tr>
               <a:tr h="430126">
+                <a:tc>
+                  <a:txBody>
+                    <a:bodyPr/>
+                    <a:lstStyle/>
+                    <a:p>
+                      <a:pPr algn="ctr"/>
+                      <a:endParaRPr lang="en-US" b="1" dirty="0"/>
+                    </a:p>
+                  </a:txBody>
+                  <a:tcPr>
+                    <a:lnL w="12700" cap="flat" cmpd="sng" algn="ctr">
+                      <a:solidFill>
+                        <a:schemeClr val="tx1"/>
+                      </a:solidFill>
+                      <a:prstDash val="solid"/>
+                      <a:round/>
+                      <a:headEnd type="none" w="med" len="med"/>
+                      <a:tailEnd type="none" w="med" len="med"/>
+                    </a:lnL>
+                    <a:lnR w="12700" cap="flat" cmpd="sng" algn="ctr">
+                      <a:solidFill>
+                        <a:schemeClr val="tx1"/>
+                      </a:solidFill>
+                      <a:prstDash val="solid"/>
+                      <a:round/>
+                      <a:headEnd type="none" w="med" len="med"/>
+                      <a:tailEnd type="none" w="med" len="med"/>
+                    </a:lnR>
+                    <a:lnT w="12700" cap="flat" cmpd="sng" algn="ctr">
+                      <a:solidFill>
+                        <a:schemeClr val="tx1"/>
+                      </a:solidFill>
+                      <a:prstDash val="solid"/>
+                      <a:round/>
+                      <a:headEnd type="none" w="med" len="med"/>
+                      <a:tailEnd type="none" w="med" len="med"/>
+                    </a:lnT>
+                    <a:lnB w="12700" cap="flat" cmpd="sng" algn="ctr">
+                      <a:solidFill>
+                        <a:schemeClr val="tx1"/>
+                      </a:solidFill>
+                      <a:prstDash val="solid"/>
+                      <a:round/>
+                      <a:headEnd type="none" w="med" len="med"/>
+                      <a:tailEnd type="none" w="med" len="med"/>
+                    </a:lnB>
+                    <a:solidFill>
+                      <a:schemeClr val="bg1"/>
+                    </a:solidFill>
+                  </a:tcPr>
+                </a:tc>
                 <a:tc>
                   <a:txBody>
                     <a:bodyPr/>
@@ -26470,7 +26934,101 @@
                   <a:schemeClr val="bg1"/>
                 </a:solidFill>
               </a:rPr>
-              <a:t>e = 3</a:t>
+              <a:t>E = 4</a:t>
+            </a:r>
+          </a:p>
+        </p:txBody>
+      </p:sp>
+      <p:sp>
+        <p:nvSpPr>
+          <p:cNvPr id="24" name="TextBox 23">
+            <a:extLst>
+              <a:ext uri="{FF2B5EF4-FFF2-40B4-BE49-F238E27FC236}">
+                <a16:creationId xmlns:a16="http://schemas.microsoft.com/office/drawing/2014/main" id="{2C9B55B3-D2C8-415D-A7A1-584A6B9B3CFF}"/>
+              </a:ext>
+            </a:extLst>
+          </p:cNvPr>
+          <p:cNvSpPr txBox="1"/>
+          <p:nvPr/>
+        </p:nvSpPr>
+        <p:spPr>
+          <a:xfrm>
+            <a:off x="8716858" y="741705"/>
+            <a:ext cx="2534665" cy="1754326"/>
+          </a:xfrm>
+          <a:prstGeom prst="rect">
+            <a:avLst/>
+          </a:prstGeom>
+          <a:noFill/>
+        </p:spPr>
+        <p:txBody>
+          <a:bodyPr wrap="square" rtlCol="0">
+            <a:spAutoFit/>
+          </a:bodyPr>
+          <a:lstStyle/>
+          <a:p>
+            <a:pPr algn="ctr"/>
+            <a:r>
+              <a:rPr lang="en-US" dirty="0">
+                <a:solidFill>
+                  <a:schemeClr val="bg1"/>
+                </a:solidFill>
+              </a:rPr>
+              <a:t>E-way Set Associative</a:t>
+            </a:r>
+          </a:p>
+          <a:p>
+            <a:pPr algn="ctr"/>
+            <a:endParaRPr lang="en-US" dirty="0">
+              <a:solidFill>
+                <a:schemeClr val="bg1"/>
+              </a:solidFill>
+            </a:endParaRPr>
+          </a:p>
+          <a:p>
+            <a:pPr algn="ctr"/>
+            <a:r>
+              <a:rPr lang="en-US" dirty="0">
+                <a:solidFill>
+                  <a:schemeClr val="bg1"/>
+                </a:solidFill>
+              </a:rPr>
+              <a:t>(each set contains ‘2^e’ (E) entries)</a:t>
+            </a:r>
+          </a:p>
+          <a:p>
+            <a:pPr algn="ctr"/>
+            <a:endParaRPr lang="en-US" dirty="0">
+              <a:solidFill>
+                <a:schemeClr val="bg1"/>
+              </a:solidFill>
+            </a:endParaRPr>
+          </a:p>
+          <a:p>
+            <a:pPr algn="ctr"/>
+            <a:r>
+              <a:rPr lang="en-US" dirty="0">
+                <a:solidFill>
+                  <a:schemeClr val="bg1"/>
+                </a:solidFill>
+              </a:rPr>
+              <a:t>(mapping to any </a:t>
+            </a:r>
+            <a:r>
+              <a:rPr lang="en-US" b="1" dirty="0">
+                <a:solidFill>
+                  <a:schemeClr val="bg1"/>
+                </a:solidFill>
+              </a:rPr>
+              <a:t>E</a:t>
+            </a:r>
+            <a:r>
+              <a:rPr lang="en-US" dirty="0">
+                <a:solidFill>
+                  <a:schemeClr val="bg1"/>
+                </a:solidFill>
+              </a:rPr>
+              <a:t> in s)</a:t>
             </a:r>
           </a:p>
         </p:txBody>
@@ -26580,76 +27138,6 @@
           <a:p>
             <a:pPr algn="ctr"/>
             <a:endParaRPr lang="en-US"/>
-          </a:p>
-        </p:txBody>
-      </p:sp>
-      <p:sp>
-        <p:nvSpPr>
-          <p:cNvPr id="9" name="TextBox 8">
-            <a:extLst>
-              <a:ext uri="{FF2B5EF4-FFF2-40B4-BE49-F238E27FC236}">
-                <a16:creationId xmlns:a16="http://schemas.microsoft.com/office/drawing/2014/main" id="{486EB97C-0A97-47E9-ABC7-524C5E6C61CF}"/>
-              </a:ext>
-            </a:extLst>
-          </p:cNvPr>
-          <p:cNvSpPr txBox="1"/>
-          <p:nvPr/>
-        </p:nvSpPr>
-        <p:spPr>
-          <a:xfrm>
-            <a:off x="8716858" y="741705"/>
-            <a:ext cx="2534665" cy="1754326"/>
-          </a:xfrm>
-          <a:prstGeom prst="rect">
-            <a:avLst/>
-          </a:prstGeom>
-          <a:noFill/>
-        </p:spPr>
-        <p:txBody>
-          <a:bodyPr wrap="square" rtlCol="0">
-            <a:spAutoFit/>
-          </a:bodyPr>
-          <a:lstStyle/>
-          <a:p>
-            <a:pPr algn="ctr"/>
-            <a:r>
-              <a:rPr lang="en-US" dirty="0">
-                <a:solidFill>
-                  <a:schemeClr val="bg1"/>
-                </a:solidFill>
-              </a:rPr>
-              <a:t>E-way Set Associative (N-set)</a:t>
-            </a:r>
-          </a:p>
-          <a:p>
-            <a:pPr algn="ctr"/>
-            <a:r>
-              <a:rPr lang="en-US" dirty="0">
-                <a:solidFill>
-                  <a:schemeClr val="bg1"/>
-                </a:solidFill>
-              </a:rPr>
-              <a:t>(each set contains ‘2^e’ entries)</a:t>
-            </a:r>
-          </a:p>
-          <a:p>
-            <a:pPr algn="ctr"/>
-            <a:endParaRPr lang="en-US" dirty="0">
-              <a:solidFill>
-                <a:schemeClr val="bg1"/>
-              </a:solidFill>
-            </a:endParaRPr>
-          </a:p>
-          <a:p>
-            <a:pPr algn="ctr"/>
-            <a:r>
-              <a:rPr lang="en-US" dirty="0">
-                <a:solidFill>
-                  <a:schemeClr val="bg1"/>
-                </a:solidFill>
-              </a:rPr>
-              <a:t>(mapping to any e in s)</a:t>
-            </a:r>
           </a:p>
         </p:txBody>
       </p:sp>
@@ -26941,7 +27429,7 @@
                   <a:schemeClr val="bg1"/>
                 </a:solidFill>
               </a:rPr>
-              <a:t>1110</a:t>
+              <a:t>11100</a:t>
             </a:r>
           </a:p>
           <a:p>
@@ -26992,7 +27480,7 @@
                   <a:schemeClr val="bg1"/>
                 </a:solidFill>
               </a:rPr>
-              <a:t>001</a:t>
+              <a:t>01</a:t>
             </a:r>
           </a:p>
           <a:p>
@@ -27069,11 +27557,17 @@
           <p:cNvGraphicFramePr>
             <a:graphicFrameLocks noGrp="1"/>
           </p:cNvGraphicFramePr>
-          <p:nvPr/>
+          <p:nvPr>
+            <p:extLst>
+              <p:ext uri="{D42A27DB-BD31-4B8C-83A1-F6EECF244321}">
+                <p14:modId xmlns:p14="http://schemas.microsoft.com/office/powerpoint/2010/main" val="3963459639"/>
+              </p:ext>
+            </p:extLst>
+          </p:nvPr>
         </p:nvGraphicFramePr>
         <p:xfrm>
           <a:off x="1555313" y="2808495"/>
-          <a:ext cx="3638550" cy="1720504"/>
+          <a:ext cx="3638552" cy="1720504"/>
         </p:xfrm>
         <a:graphic>
           <a:graphicData uri="http://schemas.openxmlformats.org/drawingml/2006/table">
@@ -27082,21 +27576,28 @@
                 <a:tableStyleId>{5C22544A-7EE6-4342-B048-85BDC9FD1C3A}</a:tableStyleId>
               </a:tblPr>
               <a:tblGrid>
-                <a:gridCol w="1212850">
+                <a:gridCol w="909638">
                   <a:extLst>
                     <a:ext uri="{9D8B030D-6E8A-4147-A177-3AD203B41FA5}">
                       <a16:colId xmlns:a16="http://schemas.microsoft.com/office/drawing/2014/main" val="4177000608"/>
                     </a:ext>
                   </a:extLst>
                 </a:gridCol>
-                <a:gridCol w="1212850">
+                <a:gridCol w="909638">
                   <a:extLst>
                     <a:ext uri="{9D8B030D-6E8A-4147-A177-3AD203B41FA5}">
                       <a16:colId xmlns:a16="http://schemas.microsoft.com/office/drawing/2014/main" val="1811945546"/>
                     </a:ext>
                   </a:extLst>
                 </a:gridCol>
-                <a:gridCol w="1212850">
+                <a:gridCol w="909638">
+                  <a:extLst>
+                    <a:ext uri="{9D8B030D-6E8A-4147-A177-3AD203B41FA5}">
+                      <a16:colId xmlns:a16="http://schemas.microsoft.com/office/drawing/2014/main" val="3978098227"/>
+                    </a:ext>
+                  </a:extLst>
+                </a:gridCol>
+                <a:gridCol w="909638">
                   <a:extLst>
                     <a:ext uri="{9D8B030D-6E8A-4147-A177-3AD203B41FA5}">
                       <a16:colId xmlns:a16="http://schemas.microsoft.com/office/drawing/2014/main" val="3124206422"/>
@@ -27236,6 +27737,77 @@
                     <a:bodyPr/>
                     <a:lstStyle/>
                     <a:p>
+                      <a:pPr marL="0" marR="0" lvl="0" indent="0" algn="ctr" defTabSz="914400" rtl="0" eaLnBrk="1" fontAlgn="auto" latinLnBrk="0" hangingPunct="1">
+                        <a:lnSpc>
+                          <a:spcPct val="100000"/>
+                        </a:lnSpc>
+                        <a:spcBef>
+                          <a:spcPts val="0"/>
+                        </a:spcBef>
+                        <a:spcAft>
+                          <a:spcPts val="0"/>
+                        </a:spcAft>
+                        <a:buClrTx/>
+                        <a:buSzTx/>
+                        <a:buFontTx/>
+                        <a:buNone/>
+                        <a:tabLst/>
+                        <a:defRPr/>
+                      </a:pPr>
+                      <a:endParaRPr lang="en-US" dirty="0">
+                        <a:solidFill>
+                          <a:schemeClr val="tx1"/>
+                        </a:solidFill>
+                      </a:endParaRPr>
+                    </a:p>
+                  </a:txBody>
+                  <a:tcPr>
+                    <a:lnL w="12700" cap="flat" cmpd="sng" algn="ctr">
+                      <a:solidFill>
+                        <a:schemeClr val="tx1"/>
+                      </a:solidFill>
+                      <a:prstDash val="solid"/>
+                      <a:round/>
+                      <a:headEnd type="none" w="med" len="med"/>
+                      <a:tailEnd type="none" w="med" len="med"/>
+                    </a:lnL>
+                    <a:lnR w="12700" cap="flat" cmpd="sng" algn="ctr">
+                      <a:solidFill>
+                        <a:schemeClr val="tx1"/>
+                      </a:solidFill>
+                      <a:prstDash val="solid"/>
+                      <a:round/>
+                      <a:headEnd type="none" w="med" len="med"/>
+                      <a:tailEnd type="none" w="med" len="med"/>
+                    </a:lnR>
+                    <a:lnT w="12700" cap="flat" cmpd="sng" algn="ctr">
+                      <a:solidFill>
+                        <a:schemeClr val="tx1"/>
+                      </a:solidFill>
+                      <a:prstDash val="solid"/>
+                      <a:round/>
+                      <a:headEnd type="none" w="med" len="med"/>
+                      <a:tailEnd type="none" w="med" len="med"/>
+                    </a:lnT>
+                    <a:lnB w="12700" cap="flat" cmpd="sng" algn="ctr">
+                      <a:solidFill>
+                        <a:schemeClr val="tx1"/>
+                      </a:solidFill>
+                      <a:prstDash val="solid"/>
+                      <a:round/>
+                      <a:headEnd type="none" w="med" len="med"/>
+                      <a:tailEnd type="none" w="med" len="med"/>
+                    </a:lnB>
+                    <a:solidFill>
+                      <a:schemeClr val="bg1"/>
+                    </a:solidFill>
+                  </a:tcPr>
+                </a:tc>
+                <a:tc>
+                  <a:txBody>
+                    <a:bodyPr/>
+                    <a:lstStyle/>
+                    <a:p>
                       <a:pPr algn="ctr"/>
                       <a:endParaRPr lang="en-US" dirty="0"/>
                     </a:p>
@@ -27442,6 +28014,57 @@
                     </a:solidFill>
                   </a:tcPr>
                 </a:tc>
+                <a:tc>
+                  <a:txBody>
+                    <a:bodyPr/>
+                    <a:lstStyle/>
+                    <a:p>
+                      <a:pPr algn="ctr"/>
+                      <a:endParaRPr lang="en-US" b="1" dirty="0"/>
+                    </a:p>
+                  </a:txBody>
+                  <a:tcPr>
+                    <a:lnL w="12700" cap="flat" cmpd="sng" algn="ctr">
+                      <a:solidFill>
+                        <a:schemeClr val="tx1"/>
+                      </a:solidFill>
+                      <a:prstDash val="solid"/>
+                      <a:round/>
+                      <a:headEnd type="none" w="med" len="med"/>
+                      <a:tailEnd type="none" w="med" len="med"/>
+                    </a:lnL>
+                    <a:lnR w="12700" cap="flat" cmpd="sng" algn="ctr">
+                      <a:solidFill>
+                        <a:schemeClr val="tx1"/>
+                      </a:solidFill>
+                      <a:prstDash val="solid"/>
+                      <a:round/>
+                      <a:headEnd type="none" w="med" len="med"/>
+                      <a:tailEnd type="none" w="med" len="med"/>
+                    </a:lnR>
+                    <a:lnT w="12700" cap="flat" cmpd="sng" algn="ctr">
+                      <a:solidFill>
+                        <a:schemeClr val="tx1"/>
+                      </a:solidFill>
+                      <a:prstDash val="solid"/>
+                      <a:round/>
+                      <a:headEnd type="none" w="med" len="med"/>
+                      <a:tailEnd type="none" w="med" len="med"/>
+                    </a:lnT>
+                    <a:lnB w="12700" cap="flat" cmpd="sng" algn="ctr">
+                      <a:solidFill>
+                        <a:schemeClr val="tx1"/>
+                      </a:solidFill>
+                      <a:prstDash val="solid"/>
+                      <a:round/>
+                      <a:headEnd type="none" w="med" len="med"/>
+                      <a:tailEnd type="none" w="med" len="med"/>
+                    </a:lnB>
+                    <a:solidFill>
+                      <a:srgbClr val="00B050"/>
+                    </a:solidFill>
+                  </a:tcPr>
+                </a:tc>
                 <a:extLst>
                   <a:ext uri="{0D108BD9-81ED-4DB2-BD59-A6C34878D82A}">
                     <a16:rowId xmlns:a16="http://schemas.microsoft.com/office/drawing/2014/main" val="893186552"/>
@@ -27602,6 +28225,57 @@
                     </a:solidFill>
                   </a:tcPr>
                 </a:tc>
+                <a:tc>
+                  <a:txBody>
+                    <a:bodyPr/>
+                    <a:lstStyle/>
+                    <a:p>
+                      <a:pPr algn="ctr"/>
+                      <a:endParaRPr lang="en-US" b="1" dirty="0"/>
+                    </a:p>
+                  </a:txBody>
+                  <a:tcPr>
+                    <a:lnL w="12700" cap="flat" cmpd="sng" algn="ctr">
+                      <a:solidFill>
+                        <a:schemeClr val="tx1"/>
+                      </a:solidFill>
+                      <a:prstDash val="solid"/>
+                      <a:round/>
+                      <a:headEnd type="none" w="med" len="med"/>
+                      <a:tailEnd type="none" w="med" len="med"/>
+                    </a:lnL>
+                    <a:lnR w="12700" cap="flat" cmpd="sng" algn="ctr">
+                      <a:solidFill>
+                        <a:schemeClr val="tx1"/>
+                      </a:solidFill>
+                      <a:prstDash val="solid"/>
+                      <a:round/>
+                      <a:headEnd type="none" w="med" len="med"/>
+                      <a:tailEnd type="none" w="med" len="med"/>
+                    </a:lnR>
+                    <a:lnT w="12700" cap="flat" cmpd="sng" algn="ctr">
+                      <a:solidFill>
+                        <a:schemeClr val="tx1"/>
+                      </a:solidFill>
+                      <a:prstDash val="solid"/>
+                      <a:round/>
+                      <a:headEnd type="none" w="med" len="med"/>
+                      <a:tailEnd type="none" w="med" len="med"/>
+                    </a:lnT>
+                    <a:lnB w="12700" cap="flat" cmpd="sng" algn="ctr">
+                      <a:solidFill>
+                        <a:schemeClr val="tx1"/>
+                      </a:solidFill>
+                      <a:prstDash val="solid"/>
+                      <a:round/>
+                      <a:headEnd type="none" w="med" len="med"/>
+                      <a:tailEnd type="none" w="med" len="med"/>
+                    </a:lnB>
+                    <a:solidFill>
+                      <a:schemeClr val="bg1"/>
+                    </a:solidFill>
+                  </a:tcPr>
+                </a:tc>
                 <a:extLst>
                   <a:ext uri="{0D108BD9-81ED-4DB2-BD59-A6C34878D82A}">
                     <a16:rowId xmlns:a16="http://schemas.microsoft.com/office/drawing/2014/main" val="910194687"/>
@@ -27609,6 +28283,57 @@
                 </a:extLst>
               </a:tr>
               <a:tr h="430126">
+                <a:tc>
+                  <a:txBody>
+                    <a:bodyPr/>
+                    <a:lstStyle/>
+                    <a:p>
+                      <a:pPr algn="ctr"/>
+                      <a:endParaRPr lang="en-US" b="1" dirty="0"/>
+                    </a:p>
+                  </a:txBody>
+                  <a:tcPr>
+                    <a:lnL w="12700" cap="flat" cmpd="sng" algn="ctr">
+                      <a:solidFill>
+                        <a:schemeClr val="tx1"/>
+                      </a:solidFill>
+                      <a:prstDash val="solid"/>
+                      <a:round/>
+                      <a:headEnd type="none" w="med" len="med"/>
+                      <a:tailEnd type="none" w="med" len="med"/>
+                    </a:lnL>
+                    <a:lnR w="12700" cap="flat" cmpd="sng" algn="ctr">
+                      <a:solidFill>
+                        <a:schemeClr val="tx1"/>
+                      </a:solidFill>
+                      <a:prstDash val="solid"/>
+                      <a:round/>
+                      <a:headEnd type="none" w="med" len="med"/>
+                      <a:tailEnd type="none" w="med" len="med"/>
+                    </a:lnR>
+                    <a:lnT w="12700" cap="flat" cmpd="sng" algn="ctr">
+                      <a:solidFill>
+                        <a:schemeClr val="tx1"/>
+                      </a:solidFill>
+                      <a:prstDash val="solid"/>
+                      <a:round/>
+                      <a:headEnd type="none" w="med" len="med"/>
+                      <a:tailEnd type="none" w="med" len="med"/>
+                    </a:lnT>
+                    <a:lnB w="12700" cap="flat" cmpd="sng" algn="ctr">
+                      <a:solidFill>
+                        <a:schemeClr val="tx1"/>
+                      </a:solidFill>
+                      <a:prstDash val="solid"/>
+                      <a:round/>
+                      <a:headEnd type="none" w="med" len="med"/>
+                      <a:tailEnd type="none" w="med" len="med"/>
+                    </a:lnB>
+                    <a:solidFill>
+                      <a:schemeClr val="bg1"/>
+                    </a:solidFill>
+                  </a:tcPr>
+                </a:tc>
                 <a:tc>
                   <a:txBody>
                     <a:bodyPr/>
@@ -27945,7 +28670,101 @@
                   <a:schemeClr val="bg1"/>
                 </a:solidFill>
               </a:rPr>
-              <a:t>e = 3</a:t>
+              <a:t>E = 4</a:t>
+            </a:r>
+          </a:p>
+        </p:txBody>
+      </p:sp>
+      <p:sp>
+        <p:nvSpPr>
+          <p:cNvPr id="24" name="TextBox 23">
+            <a:extLst>
+              <a:ext uri="{FF2B5EF4-FFF2-40B4-BE49-F238E27FC236}">
+                <a16:creationId xmlns:a16="http://schemas.microsoft.com/office/drawing/2014/main" id="{7CCC4291-B856-452D-8EA8-96D7155DC401}"/>
+              </a:ext>
+            </a:extLst>
+          </p:cNvPr>
+          <p:cNvSpPr txBox="1"/>
+          <p:nvPr/>
+        </p:nvSpPr>
+        <p:spPr>
+          <a:xfrm>
+            <a:off x="8716858" y="741705"/>
+            <a:ext cx="2534665" cy="1754326"/>
+          </a:xfrm>
+          <a:prstGeom prst="rect">
+            <a:avLst/>
+          </a:prstGeom>
+          <a:noFill/>
+        </p:spPr>
+        <p:txBody>
+          <a:bodyPr wrap="square" rtlCol="0">
+            <a:spAutoFit/>
+          </a:bodyPr>
+          <a:lstStyle/>
+          <a:p>
+            <a:pPr algn="ctr"/>
+            <a:r>
+              <a:rPr lang="en-US" dirty="0">
+                <a:solidFill>
+                  <a:schemeClr val="bg1"/>
+                </a:solidFill>
+              </a:rPr>
+              <a:t>E-way Set Associative</a:t>
+            </a:r>
+          </a:p>
+          <a:p>
+            <a:pPr algn="ctr"/>
+            <a:endParaRPr lang="en-US" dirty="0">
+              <a:solidFill>
+                <a:schemeClr val="bg1"/>
+              </a:solidFill>
+            </a:endParaRPr>
+          </a:p>
+          <a:p>
+            <a:pPr algn="ctr"/>
+            <a:r>
+              <a:rPr lang="en-US" dirty="0">
+                <a:solidFill>
+                  <a:schemeClr val="bg1"/>
+                </a:solidFill>
+              </a:rPr>
+              <a:t>(each set contains ‘2^e’ (E) entries)</a:t>
+            </a:r>
+          </a:p>
+          <a:p>
+            <a:pPr algn="ctr"/>
+            <a:endParaRPr lang="en-US" dirty="0">
+              <a:solidFill>
+                <a:schemeClr val="bg1"/>
+              </a:solidFill>
+            </a:endParaRPr>
+          </a:p>
+          <a:p>
+            <a:pPr algn="ctr"/>
+            <a:r>
+              <a:rPr lang="en-US" dirty="0">
+                <a:solidFill>
+                  <a:schemeClr val="bg1"/>
+                </a:solidFill>
+              </a:rPr>
+              <a:t>(mapping to any </a:t>
+            </a:r>
+            <a:r>
+              <a:rPr lang="en-US" b="1" dirty="0">
+                <a:solidFill>
+                  <a:schemeClr val="bg1"/>
+                </a:solidFill>
+              </a:rPr>
+              <a:t>E</a:t>
+            </a:r>
+            <a:r>
+              <a:rPr lang="en-US" dirty="0">
+                <a:solidFill>
+                  <a:schemeClr val="bg1"/>
+                </a:solidFill>
+              </a:rPr>
+              <a:t> in s)</a:t>
             </a:r>
           </a:p>
         </p:txBody>
@@ -28205,76 +29024,6 @@
       </p:sp>
       <p:sp>
         <p:nvSpPr>
-          <p:cNvPr id="9" name="TextBox 8">
-            <a:extLst>
-              <a:ext uri="{FF2B5EF4-FFF2-40B4-BE49-F238E27FC236}">
-                <a16:creationId xmlns:a16="http://schemas.microsoft.com/office/drawing/2014/main" id="{486EB97C-0A97-47E9-ABC7-524C5E6C61CF}"/>
-              </a:ext>
-            </a:extLst>
-          </p:cNvPr>
-          <p:cNvSpPr txBox="1"/>
-          <p:nvPr/>
-        </p:nvSpPr>
-        <p:spPr>
-          <a:xfrm>
-            <a:off x="8716858" y="741705"/>
-            <a:ext cx="2534665" cy="1754326"/>
-          </a:xfrm>
-          <a:prstGeom prst="rect">
-            <a:avLst/>
-          </a:prstGeom>
-          <a:noFill/>
-        </p:spPr>
-        <p:txBody>
-          <a:bodyPr wrap="square" rtlCol="0">
-            <a:spAutoFit/>
-          </a:bodyPr>
-          <a:lstStyle/>
-          <a:p>
-            <a:pPr algn="ctr"/>
-            <a:r>
-              <a:rPr lang="en-US" dirty="0">
-                <a:solidFill>
-                  <a:schemeClr val="bg1"/>
-                </a:solidFill>
-              </a:rPr>
-              <a:t>E-way Set Associative (N-set)</a:t>
-            </a:r>
-          </a:p>
-          <a:p>
-            <a:pPr algn="ctr"/>
-            <a:r>
-              <a:rPr lang="en-US" dirty="0">
-                <a:solidFill>
-                  <a:schemeClr val="bg1"/>
-                </a:solidFill>
-              </a:rPr>
-              <a:t>(each set contains ‘2^e’ entries)</a:t>
-            </a:r>
-          </a:p>
-          <a:p>
-            <a:pPr algn="ctr"/>
-            <a:endParaRPr lang="en-US" dirty="0">
-              <a:solidFill>
-                <a:schemeClr val="bg1"/>
-              </a:solidFill>
-            </a:endParaRPr>
-          </a:p>
-          <a:p>
-            <a:pPr algn="ctr"/>
-            <a:r>
-              <a:rPr lang="en-US" dirty="0">
-                <a:solidFill>
-                  <a:schemeClr val="bg1"/>
-                </a:solidFill>
-              </a:rPr>
-              <a:t>(mapping to any e in s)</a:t>
-            </a:r>
-          </a:p>
-        </p:txBody>
-      </p:sp>
-      <p:sp>
-        <p:nvSpPr>
           <p:cNvPr id="13" name="Rectangle: Rounded Corners 12">
             <a:extLst>
               <a:ext uri="{FF2B5EF4-FFF2-40B4-BE49-F238E27FC236}">
@@ -28561,7 +29310,7 @@
                   <a:schemeClr val="bg1"/>
                 </a:solidFill>
               </a:rPr>
-              <a:t>1110</a:t>
+              <a:t>11100</a:t>
             </a:r>
           </a:p>
           <a:p>
@@ -28612,7 +29361,7 @@
                   <a:schemeClr val="bg1"/>
                 </a:solidFill>
               </a:rPr>
-              <a:t>001</a:t>
+              <a:t>01</a:t>
             </a:r>
           </a:p>
           <a:p>
@@ -28692,14 +29441,14 @@
           <p:nvPr>
             <p:extLst>
               <p:ext uri="{D42A27DB-BD31-4B8C-83A1-F6EECF244321}">
-                <p14:modId xmlns:p14="http://schemas.microsoft.com/office/powerpoint/2010/main" val="796051145"/>
+                <p14:modId xmlns:p14="http://schemas.microsoft.com/office/powerpoint/2010/main" val="3731187503"/>
               </p:ext>
             </p:extLst>
           </p:nvPr>
         </p:nvGraphicFramePr>
         <p:xfrm>
-          <a:off x="1555313" y="2808495"/>
-          <a:ext cx="3638550" cy="1810834"/>
+          <a:off x="1438845" y="2802654"/>
+          <a:ext cx="3905252" cy="1810834"/>
         </p:xfrm>
         <a:graphic>
           <a:graphicData uri="http://schemas.openxmlformats.org/drawingml/2006/table">
@@ -28708,21 +29457,28 @@
                 <a:tableStyleId>{5C22544A-7EE6-4342-B048-85BDC9FD1C3A}</a:tableStyleId>
               </a:tblPr>
               <a:tblGrid>
-                <a:gridCol w="1212850">
+                <a:gridCol w="976313">
                   <a:extLst>
                     <a:ext uri="{9D8B030D-6E8A-4147-A177-3AD203B41FA5}">
                       <a16:colId xmlns:a16="http://schemas.microsoft.com/office/drawing/2014/main" val="4177000608"/>
                     </a:ext>
                   </a:extLst>
                 </a:gridCol>
-                <a:gridCol w="1212850">
+                <a:gridCol w="976313">
                   <a:extLst>
                     <a:ext uri="{9D8B030D-6E8A-4147-A177-3AD203B41FA5}">
                       <a16:colId xmlns:a16="http://schemas.microsoft.com/office/drawing/2014/main" val="1811945546"/>
                     </a:ext>
                   </a:extLst>
                 </a:gridCol>
-                <a:gridCol w="1212850">
+                <a:gridCol w="976313">
+                  <a:extLst>
+                    <a:ext uri="{9D8B030D-6E8A-4147-A177-3AD203B41FA5}">
+                      <a16:colId xmlns:a16="http://schemas.microsoft.com/office/drawing/2014/main" val="3580788905"/>
+                    </a:ext>
+                  </a:extLst>
+                </a:gridCol>
+                <a:gridCol w="976313">
                   <a:extLst>
                     <a:ext uri="{9D8B030D-6E8A-4147-A177-3AD203B41FA5}">
                       <a16:colId xmlns:a16="http://schemas.microsoft.com/office/drawing/2014/main" val="3124206422"/>
@@ -28737,6 +29493,77 @@
                     <a:lstStyle/>
                     <a:p>
                       <a:pPr algn="ctr"/>
+                      <a:endParaRPr lang="en-US" dirty="0">
+                        <a:solidFill>
+                          <a:schemeClr val="tx1"/>
+                        </a:solidFill>
+                      </a:endParaRPr>
+                    </a:p>
+                  </a:txBody>
+                  <a:tcPr>
+                    <a:lnL w="12700" cap="flat" cmpd="sng" algn="ctr">
+                      <a:solidFill>
+                        <a:schemeClr val="tx1"/>
+                      </a:solidFill>
+                      <a:prstDash val="solid"/>
+                      <a:round/>
+                      <a:headEnd type="none" w="med" len="med"/>
+                      <a:tailEnd type="none" w="med" len="med"/>
+                    </a:lnL>
+                    <a:lnR w="12700" cap="flat" cmpd="sng" algn="ctr">
+                      <a:solidFill>
+                        <a:schemeClr val="tx1"/>
+                      </a:solidFill>
+                      <a:prstDash val="solid"/>
+                      <a:round/>
+                      <a:headEnd type="none" w="med" len="med"/>
+                      <a:tailEnd type="none" w="med" len="med"/>
+                    </a:lnR>
+                    <a:lnT w="12700" cap="flat" cmpd="sng" algn="ctr">
+                      <a:solidFill>
+                        <a:schemeClr val="tx1"/>
+                      </a:solidFill>
+                      <a:prstDash val="solid"/>
+                      <a:round/>
+                      <a:headEnd type="none" w="med" len="med"/>
+                      <a:tailEnd type="none" w="med" len="med"/>
+                    </a:lnT>
+                    <a:lnB w="12700" cap="flat" cmpd="sng" algn="ctr">
+                      <a:solidFill>
+                        <a:schemeClr val="tx1"/>
+                      </a:solidFill>
+                      <a:prstDash val="solid"/>
+                      <a:round/>
+                      <a:headEnd type="none" w="med" len="med"/>
+                      <a:tailEnd type="none" w="med" len="med"/>
+                    </a:lnB>
+                    <a:solidFill>
+                      <a:schemeClr val="bg1"/>
+                    </a:solidFill>
+                  </a:tcPr>
+                </a:tc>
+                <a:tc>
+                  <a:txBody>
+                    <a:bodyPr/>
+                    <a:lstStyle/>
+                    <a:p>
+                      <a:pPr marL="0" marR="0" lvl="0" indent="0" algn="ctr" defTabSz="914400" rtl="0" eaLnBrk="1" fontAlgn="auto" latinLnBrk="0" hangingPunct="1">
+                        <a:lnSpc>
+                          <a:spcPct val="100000"/>
+                        </a:lnSpc>
+                        <a:spcBef>
+                          <a:spcPts val="0"/>
+                        </a:spcBef>
+                        <a:spcAft>
+                          <a:spcPts val="0"/>
+                        </a:spcAft>
+                        <a:buClrTx/>
+                        <a:buSzTx/>
+                        <a:buFontTx/>
+                        <a:buNone/>
+                        <a:tabLst/>
+                        <a:defRPr/>
+                      </a:pPr>
                       <a:endParaRPr lang="en-US" dirty="0">
                         <a:solidFill>
                           <a:schemeClr val="tx1"/>
@@ -28947,7 +29774,7 @@
                             <a:schemeClr val="bg1"/>
                           </a:solidFill>
                         </a:rPr>
-                        <a:t>1110</a:t>
+                        <a:t>11100</a:t>
                       </a:r>
                       <a:r>
                         <a:rPr lang="en-US" b="1" dirty="0"/>
@@ -29069,6 +29896,73 @@
                     <a:bodyPr/>
                     <a:lstStyle/>
                     <a:p>
+                      <a:pPr marL="0" marR="0" lvl="0" indent="0" algn="ctr" defTabSz="914400" rtl="0" eaLnBrk="1" fontAlgn="auto" latinLnBrk="0" hangingPunct="1">
+                        <a:lnSpc>
+                          <a:spcPct val="100000"/>
+                        </a:lnSpc>
+                        <a:spcBef>
+                          <a:spcPts val="0"/>
+                        </a:spcBef>
+                        <a:spcAft>
+                          <a:spcPts val="0"/>
+                        </a:spcAft>
+                        <a:buClrTx/>
+                        <a:buSzTx/>
+                        <a:buFontTx/>
+                        <a:buNone/>
+                        <a:tabLst/>
+                        <a:defRPr/>
+                      </a:pPr>
+                      <a:endParaRPr lang="en-US" b="1" dirty="0"/>
+                    </a:p>
+                  </a:txBody>
+                  <a:tcPr>
+                    <a:lnL w="12700" cap="flat" cmpd="sng" algn="ctr">
+                      <a:solidFill>
+                        <a:schemeClr val="tx1"/>
+                      </a:solidFill>
+                      <a:prstDash val="solid"/>
+                      <a:round/>
+                      <a:headEnd type="none" w="med" len="med"/>
+                      <a:tailEnd type="none" w="med" len="med"/>
+                    </a:lnL>
+                    <a:lnR w="12700" cap="flat" cmpd="sng" algn="ctr">
+                      <a:solidFill>
+                        <a:schemeClr val="tx1"/>
+                      </a:solidFill>
+                      <a:prstDash val="solid"/>
+                      <a:round/>
+                      <a:headEnd type="none" w="med" len="med"/>
+                      <a:tailEnd type="none" w="med" len="med"/>
+                    </a:lnR>
+                    <a:lnT w="12700" cap="flat" cmpd="sng" algn="ctr">
+                      <a:solidFill>
+                        <a:schemeClr val="tx1"/>
+                      </a:solidFill>
+                      <a:prstDash val="solid"/>
+                      <a:round/>
+                      <a:headEnd type="none" w="med" len="med"/>
+                      <a:tailEnd type="none" w="med" len="med"/>
+                    </a:lnT>
+                    <a:lnB w="12700" cap="flat" cmpd="sng" algn="ctr">
+                      <a:solidFill>
+                        <a:schemeClr val="tx1"/>
+                      </a:solidFill>
+                      <a:prstDash val="solid"/>
+                      <a:round/>
+                      <a:headEnd type="none" w="med" len="med"/>
+                      <a:tailEnd type="none" w="med" len="med"/>
+                    </a:lnB>
+                    <a:solidFill>
+                      <a:srgbClr val="00B050"/>
+                    </a:solidFill>
+                  </a:tcPr>
+                </a:tc>
+                <a:tc>
+                  <a:txBody>
+                    <a:bodyPr/>
+                    <a:lstStyle/>
+                    <a:p>
                       <a:pPr algn="ctr"/>
                       <a:endParaRPr lang="en-US" b="1" dirty="0"/>
                     </a:p>
@@ -29275,6 +30169,57 @@
                     </a:solidFill>
                   </a:tcPr>
                 </a:tc>
+                <a:tc>
+                  <a:txBody>
+                    <a:bodyPr/>
+                    <a:lstStyle/>
+                    <a:p>
+                      <a:pPr algn="ctr"/>
+                      <a:endParaRPr lang="en-US" b="1" dirty="0"/>
+                    </a:p>
+                  </a:txBody>
+                  <a:tcPr>
+                    <a:lnL w="12700" cap="flat" cmpd="sng" algn="ctr">
+                      <a:solidFill>
+                        <a:schemeClr val="tx1"/>
+                      </a:solidFill>
+                      <a:prstDash val="solid"/>
+                      <a:round/>
+                      <a:headEnd type="none" w="med" len="med"/>
+                      <a:tailEnd type="none" w="med" len="med"/>
+                    </a:lnL>
+                    <a:lnR w="12700" cap="flat" cmpd="sng" algn="ctr">
+                      <a:solidFill>
+                        <a:schemeClr val="tx1"/>
+                      </a:solidFill>
+                      <a:prstDash val="solid"/>
+                      <a:round/>
+                      <a:headEnd type="none" w="med" len="med"/>
+                      <a:tailEnd type="none" w="med" len="med"/>
+                    </a:lnR>
+                    <a:lnT w="12700" cap="flat" cmpd="sng" algn="ctr">
+                      <a:solidFill>
+                        <a:schemeClr val="tx1"/>
+                      </a:solidFill>
+                      <a:prstDash val="solid"/>
+                      <a:round/>
+                      <a:headEnd type="none" w="med" len="med"/>
+                      <a:tailEnd type="none" w="med" len="med"/>
+                    </a:lnT>
+                    <a:lnB w="12700" cap="flat" cmpd="sng" algn="ctr">
+                      <a:solidFill>
+                        <a:schemeClr val="tx1"/>
+                      </a:solidFill>
+                      <a:prstDash val="solid"/>
+                      <a:round/>
+                      <a:headEnd type="none" w="med" len="med"/>
+                      <a:tailEnd type="none" w="med" len="med"/>
+                    </a:lnB>
+                    <a:solidFill>
+                      <a:schemeClr val="bg1"/>
+                    </a:solidFill>
+                  </a:tcPr>
+                </a:tc>
                 <a:extLst>
                   <a:ext uri="{0D108BD9-81ED-4DB2-BD59-A6C34878D82A}">
                     <a16:rowId xmlns:a16="http://schemas.microsoft.com/office/drawing/2014/main" val="910194687"/>
@@ -29282,6 +30227,57 @@
                 </a:extLst>
               </a:tr>
               <a:tr h="335650">
+                <a:tc>
+                  <a:txBody>
+                    <a:bodyPr/>
+                    <a:lstStyle/>
+                    <a:p>
+                      <a:pPr algn="ctr"/>
+                      <a:endParaRPr lang="en-US" b="1" dirty="0"/>
+                    </a:p>
+                  </a:txBody>
+                  <a:tcPr>
+                    <a:lnL w="12700" cap="flat" cmpd="sng" algn="ctr">
+                      <a:solidFill>
+                        <a:schemeClr val="tx1"/>
+                      </a:solidFill>
+                      <a:prstDash val="solid"/>
+                      <a:round/>
+                      <a:headEnd type="none" w="med" len="med"/>
+                      <a:tailEnd type="none" w="med" len="med"/>
+                    </a:lnL>
+                    <a:lnR w="12700" cap="flat" cmpd="sng" algn="ctr">
+                      <a:solidFill>
+                        <a:schemeClr val="tx1"/>
+                      </a:solidFill>
+                      <a:prstDash val="solid"/>
+                      <a:round/>
+                      <a:headEnd type="none" w="med" len="med"/>
+                      <a:tailEnd type="none" w="med" len="med"/>
+                    </a:lnR>
+                    <a:lnT w="12700" cap="flat" cmpd="sng" algn="ctr">
+                      <a:solidFill>
+                        <a:schemeClr val="tx1"/>
+                      </a:solidFill>
+                      <a:prstDash val="solid"/>
+                      <a:round/>
+                      <a:headEnd type="none" w="med" len="med"/>
+                      <a:tailEnd type="none" w="med" len="med"/>
+                    </a:lnT>
+                    <a:lnB w="12700" cap="flat" cmpd="sng" algn="ctr">
+                      <a:solidFill>
+                        <a:schemeClr val="tx1"/>
+                      </a:solidFill>
+                      <a:prstDash val="solid"/>
+                      <a:round/>
+                      <a:headEnd type="none" w="med" len="med"/>
+                      <a:tailEnd type="none" w="med" len="med"/>
+                    </a:lnB>
+                    <a:solidFill>
+                      <a:schemeClr val="bg1"/>
+                    </a:solidFill>
+                  </a:tcPr>
+                </a:tc>
                 <a:tc>
                   <a:txBody>
                     <a:bodyPr/>
@@ -29618,7 +30614,101 @@
                   <a:schemeClr val="bg1"/>
                 </a:solidFill>
               </a:rPr>
-              <a:t>e = 3</a:t>
+              <a:t>E = 4</a:t>
+            </a:r>
+          </a:p>
+        </p:txBody>
+      </p:sp>
+      <p:sp>
+        <p:nvSpPr>
+          <p:cNvPr id="24" name="TextBox 23">
+            <a:extLst>
+              <a:ext uri="{FF2B5EF4-FFF2-40B4-BE49-F238E27FC236}">
+                <a16:creationId xmlns:a16="http://schemas.microsoft.com/office/drawing/2014/main" id="{C5EAC83E-9E04-4743-9059-AE26643F23CF}"/>
+              </a:ext>
+            </a:extLst>
+          </p:cNvPr>
+          <p:cNvSpPr txBox="1"/>
+          <p:nvPr/>
+        </p:nvSpPr>
+        <p:spPr>
+          <a:xfrm>
+            <a:off x="8716858" y="741705"/>
+            <a:ext cx="2534665" cy="1754326"/>
+          </a:xfrm>
+          <a:prstGeom prst="rect">
+            <a:avLst/>
+          </a:prstGeom>
+          <a:noFill/>
+        </p:spPr>
+        <p:txBody>
+          <a:bodyPr wrap="square" rtlCol="0">
+            <a:spAutoFit/>
+          </a:bodyPr>
+          <a:lstStyle/>
+          <a:p>
+            <a:pPr algn="ctr"/>
+            <a:r>
+              <a:rPr lang="en-US" dirty="0">
+                <a:solidFill>
+                  <a:schemeClr val="bg1"/>
+                </a:solidFill>
+              </a:rPr>
+              <a:t>E-way Set Associative</a:t>
+            </a:r>
+          </a:p>
+          <a:p>
+            <a:pPr algn="ctr"/>
+            <a:endParaRPr lang="en-US" dirty="0">
+              <a:solidFill>
+                <a:schemeClr val="bg1"/>
+              </a:solidFill>
+            </a:endParaRPr>
+          </a:p>
+          <a:p>
+            <a:pPr algn="ctr"/>
+            <a:r>
+              <a:rPr lang="en-US" dirty="0">
+                <a:solidFill>
+                  <a:schemeClr val="bg1"/>
+                </a:solidFill>
+              </a:rPr>
+              <a:t>(each set contains ‘2^e’ (E) entries)</a:t>
+            </a:r>
+          </a:p>
+          <a:p>
+            <a:pPr algn="ctr"/>
+            <a:endParaRPr lang="en-US" dirty="0">
+              <a:solidFill>
+                <a:schemeClr val="bg1"/>
+              </a:solidFill>
+            </a:endParaRPr>
+          </a:p>
+          <a:p>
+            <a:pPr algn="ctr"/>
+            <a:r>
+              <a:rPr lang="en-US" dirty="0">
+                <a:solidFill>
+                  <a:schemeClr val="bg1"/>
+                </a:solidFill>
+              </a:rPr>
+              <a:t>(mapping to any </a:t>
+            </a:r>
+            <a:r>
+              <a:rPr lang="en-US" b="1" dirty="0">
+                <a:solidFill>
+                  <a:schemeClr val="bg1"/>
+                </a:solidFill>
+              </a:rPr>
+              <a:t>E</a:t>
+            </a:r>
+            <a:r>
+              <a:rPr lang="en-US" dirty="0">
+                <a:solidFill>
+                  <a:schemeClr val="bg1"/>
+                </a:solidFill>
+              </a:rPr>
+              <a:t> in s)</a:t>
             </a:r>
           </a:p>
         </p:txBody>
@@ -29728,76 +30818,6 @@
           <a:p>
             <a:pPr algn="ctr"/>
             <a:endParaRPr lang="en-US"/>
-          </a:p>
-        </p:txBody>
-      </p:sp>
-      <p:sp>
-        <p:nvSpPr>
-          <p:cNvPr id="9" name="TextBox 8">
-            <a:extLst>
-              <a:ext uri="{FF2B5EF4-FFF2-40B4-BE49-F238E27FC236}">
-                <a16:creationId xmlns:a16="http://schemas.microsoft.com/office/drawing/2014/main" id="{486EB97C-0A97-47E9-ABC7-524C5E6C61CF}"/>
-              </a:ext>
-            </a:extLst>
-          </p:cNvPr>
-          <p:cNvSpPr txBox="1"/>
-          <p:nvPr/>
-        </p:nvSpPr>
-        <p:spPr>
-          <a:xfrm>
-            <a:off x="8716858" y="741705"/>
-            <a:ext cx="2534665" cy="1754326"/>
-          </a:xfrm>
-          <a:prstGeom prst="rect">
-            <a:avLst/>
-          </a:prstGeom>
-          <a:noFill/>
-        </p:spPr>
-        <p:txBody>
-          <a:bodyPr wrap="square" rtlCol="0">
-            <a:spAutoFit/>
-          </a:bodyPr>
-          <a:lstStyle/>
-          <a:p>
-            <a:pPr algn="ctr"/>
-            <a:r>
-              <a:rPr lang="en-US" dirty="0">
-                <a:solidFill>
-                  <a:schemeClr val="bg1"/>
-                </a:solidFill>
-              </a:rPr>
-              <a:t>E-way Set Associative (N-set)</a:t>
-            </a:r>
-          </a:p>
-          <a:p>
-            <a:pPr algn="ctr"/>
-            <a:r>
-              <a:rPr lang="en-US" dirty="0">
-                <a:solidFill>
-                  <a:schemeClr val="bg1"/>
-                </a:solidFill>
-              </a:rPr>
-              <a:t>(each set contains ‘2^e’ entries)</a:t>
-            </a:r>
-          </a:p>
-          <a:p>
-            <a:pPr algn="ctr"/>
-            <a:endParaRPr lang="en-US" dirty="0">
-              <a:solidFill>
-                <a:schemeClr val="bg1"/>
-              </a:solidFill>
-            </a:endParaRPr>
-          </a:p>
-          <a:p>
-            <a:pPr algn="ctr"/>
-            <a:r>
-              <a:rPr lang="en-US" dirty="0">
-                <a:solidFill>
-                  <a:schemeClr val="bg1"/>
-                </a:solidFill>
-              </a:rPr>
-              <a:t>(mapping to any e in s)</a:t>
-            </a:r>
           </a:p>
         </p:txBody>
       </p:sp>
@@ -30089,7 +31109,7 @@
                   <a:schemeClr val="bg1"/>
                 </a:solidFill>
               </a:rPr>
-              <a:t>1110</a:t>
+              <a:t>11100</a:t>
             </a:r>
           </a:p>
           <a:p>
@@ -30140,7 +31160,7 @@
                   <a:schemeClr val="bg1"/>
                 </a:solidFill>
               </a:rPr>
-              <a:t>001</a:t>
+              <a:t>01</a:t>
             </a:r>
           </a:p>
           <a:p>
@@ -30220,14 +31240,14 @@
           <p:nvPr>
             <p:extLst>
               <p:ext uri="{D42A27DB-BD31-4B8C-83A1-F6EECF244321}">
-                <p14:modId xmlns:p14="http://schemas.microsoft.com/office/powerpoint/2010/main" val="2099044266"/>
+                <p14:modId xmlns:p14="http://schemas.microsoft.com/office/powerpoint/2010/main" val="1388474537"/>
               </p:ext>
             </p:extLst>
           </p:nvPr>
         </p:nvGraphicFramePr>
         <p:xfrm>
-          <a:off x="1555313" y="2798969"/>
-          <a:ext cx="3638550" cy="1790118"/>
+          <a:off x="1426258" y="2786474"/>
+          <a:ext cx="3896660" cy="1790118"/>
         </p:xfrm>
         <a:graphic>
           <a:graphicData uri="http://schemas.openxmlformats.org/drawingml/2006/table">
@@ -30236,24 +31256,31 @@
                 <a:tableStyleId>{5C22544A-7EE6-4342-B048-85BDC9FD1C3A}</a:tableStyleId>
               </a:tblPr>
               <a:tblGrid>
-                <a:gridCol w="1212850">
+                <a:gridCol w="974165">
                   <a:extLst>
                     <a:ext uri="{9D8B030D-6E8A-4147-A177-3AD203B41FA5}">
                       <a16:colId xmlns:a16="http://schemas.microsoft.com/office/drawing/2014/main" val="4177000608"/>
                     </a:ext>
                   </a:extLst>
                 </a:gridCol>
-                <a:gridCol w="1212850">
+                <a:gridCol w="974165">
                   <a:extLst>
                     <a:ext uri="{9D8B030D-6E8A-4147-A177-3AD203B41FA5}">
                       <a16:colId xmlns:a16="http://schemas.microsoft.com/office/drawing/2014/main" val="1811945546"/>
                     </a:ext>
                   </a:extLst>
                 </a:gridCol>
-                <a:gridCol w="1212850">
+                <a:gridCol w="974165">
                   <a:extLst>
                     <a:ext uri="{9D8B030D-6E8A-4147-A177-3AD203B41FA5}">
                       <a16:colId xmlns:a16="http://schemas.microsoft.com/office/drawing/2014/main" val="3124206422"/>
+                    </a:ext>
+                  </a:extLst>
+                </a:gridCol>
+                <a:gridCol w="974165">
+                  <a:extLst>
+                    <a:ext uri="{9D8B030D-6E8A-4147-A177-3AD203B41FA5}">
+                      <a16:colId xmlns:a16="http://schemas.microsoft.com/office/drawing/2014/main" val="823396284"/>
                     </a:ext>
                   </a:extLst>
                 </a:gridCol>
@@ -30436,6 +31463,57 @@
                     </a:solidFill>
                   </a:tcPr>
                 </a:tc>
+                <a:tc>
+                  <a:txBody>
+                    <a:bodyPr/>
+                    <a:lstStyle/>
+                    <a:p>
+                      <a:pPr algn="ctr"/>
+                      <a:endParaRPr lang="en-US" dirty="0"/>
+                    </a:p>
+                  </a:txBody>
+                  <a:tcPr>
+                    <a:lnL w="12700" cap="flat" cmpd="sng" algn="ctr">
+                      <a:solidFill>
+                        <a:schemeClr val="tx1"/>
+                      </a:solidFill>
+                      <a:prstDash val="solid"/>
+                      <a:round/>
+                      <a:headEnd type="none" w="med" len="med"/>
+                      <a:tailEnd type="none" w="med" len="med"/>
+                    </a:lnL>
+                    <a:lnR w="12700" cap="flat" cmpd="sng" algn="ctr">
+                      <a:solidFill>
+                        <a:schemeClr val="tx1"/>
+                      </a:solidFill>
+                      <a:prstDash val="solid"/>
+                      <a:round/>
+                      <a:headEnd type="none" w="med" len="med"/>
+                      <a:tailEnd type="none" w="med" len="med"/>
+                    </a:lnR>
+                    <a:lnT w="12700" cap="flat" cmpd="sng" algn="ctr">
+                      <a:solidFill>
+                        <a:schemeClr val="tx1"/>
+                      </a:solidFill>
+                      <a:prstDash val="solid"/>
+                      <a:round/>
+                      <a:headEnd type="none" w="med" len="med"/>
+                      <a:tailEnd type="none" w="med" len="med"/>
+                    </a:lnT>
+                    <a:lnB w="12700" cap="flat" cmpd="sng" algn="ctr">
+                      <a:solidFill>
+                        <a:schemeClr val="tx1"/>
+                      </a:solidFill>
+                      <a:prstDash val="solid"/>
+                      <a:round/>
+                      <a:headEnd type="none" w="med" len="med"/>
+                      <a:tailEnd type="none" w="med" len="med"/>
+                    </a:lnB>
+                    <a:solidFill>
+                      <a:schemeClr val="bg1"/>
+                    </a:solidFill>
+                  </a:tcPr>
+                </a:tc>
                 <a:extLst>
                   <a:ext uri="{0D108BD9-81ED-4DB2-BD59-A6C34878D82A}">
                     <a16:rowId xmlns:a16="http://schemas.microsoft.com/office/drawing/2014/main" val="365532486"/>
@@ -30467,7 +31545,7 @@
                             <a:schemeClr val="bg1"/>
                           </a:solidFill>
                         </a:rPr>
-                        <a:t>10</a:t>
+                        <a:t>100</a:t>
                       </a:r>
                       <a:r>
                         <a:rPr lang="en-US" b="1" dirty="0"/>
@@ -30549,7 +31627,7 @@
                             <a:schemeClr val="bg1"/>
                           </a:solidFill>
                         </a:rPr>
-                        <a:t>1010</a:t>
+                        <a:t>10100</a:t>
                       </a:r>
                       <a:r>
                         <a:rPr lang="en-US" b="1" dirty="0"/>
@@ -30639,7 +31717,97 @@
                             <a:schemeClr val="bg1"/>
                           </a:solidFill>
                         </a:rPr>
-                        <a:t>110</a:t>
+                        <a:t>1100</a:t>
+                      </a:r>
+                      <a:r>
+                        <a:rPr lang="en-US" b="1" dirty="0"/>
+                        <a:t>] Data</a:t>
+                      </a:r>
+                    </a:p>
+                  </a:txBody>
+                  <a:tcPr>
+                    <a:lnL w="12700" cap="flat" cmpd="sng" algn="ctr">
+                      <a:solidFill>
+                        <a:schemeClr val="tx1"/>
+                      </a:solidFill>
+                      <a:prstDash val="solid"/>
+                      <a:round/>
+                      <a:headEnd type="none" w="med" len="med"/>
+                      <a:tailEnd type="none" w="med" len="med"/>
+                    </a:lnL>
+                    <a:lnR w="12700" cap="flat" cmpd="sng" algn="ctr">
+                      <a:solidFill>
+                        <a:schemeClr val="tx1"/>
+                      </a:solidFill>
+                      <a:prstDash val="solid"/>
+                      <a:round/>
+                      <a:headEnd type="none" w="med" len="med"/>
+                      <a:tailEnd type="none" w="med" len="med"/>
+                    </a:lnR>
+                    <a:lnT w="12700" cap="flat" cmpd="sng" algn="ctr">
+                      <a:solidFill>
+                        <a:schemeClr val="tx1"/>
+                      </a:solidFill>
+                      <a:prstDash val="solid"/>
+                      <a:round/>
+                      <a:headEnd type="none" w="med" len="med"/>
+                      <a:tailEnd type="none" w="med" len="med"/>
+                    </a:lnT>
+                    <a:lnB w="12700" cap="flat" cmpd="sng" algn="ctr">
+                      <a:solidFill>
+                        <a:schemeClr val="tx1"/>
+                      </a:solidFill>
+                      <a:prstDash val="solid"/>
+                      <a:round/>
+                      <a:headEnd type="none" w="med" len="med"/>
+                      <a:tailEnd type="none" w="med" len="med"/>
+                    </a:lnB>
+                    <a:solidFill>
+                      <a:srgbClr val="00B050"/>
+                    </a:solidFill>
+                  </a:tcPr>
+                </a:tc>
+                <a:tc>
+                  <a:txBody>
+                    <a:bodyPr/>
+                    <a:lstStyle/>
+                    <a:p>
+                      <a:pPr marL="0" marR="0" lvl="0" indent="0" algn="ctr" defTabSz="914400" rtl="0" eaLnBrk="1" fontAlgn="auto" latinLnBrk="0" hangingPunct="1">
+                        <a:lnSpc>
+                          <a:spcPct val="100000"/>
+                        </a:lnSpc>
+                        <a:spcBef>
+                          <a:spcPts val="0"/>
+                        </a:spcBef>
+                        <a:spcAft>
+                          <a:spcPts val="0"/>
+                        </a:spcAft>
+                        <a:buClrTx/>
+                        <a:buSzTx/>
+                        <a:buFontTx/>
+                        <a:buNone/>
+                        <a:tabLst/>
+                        <a:defRPr/>
+                      </a:pPr>
+                      <a:r>
+                        <a:rPr lang="en-US" b="1" dirty="0"/>
+                        <a:t>[</a:t>
+                      </a:r>
+                      <a:r>
+                        <a:rPr lang="en-US" b="1" dirty="0">
+                          <a:solidFill>
+                            <a:schemeClr val="bg1"/>
+                          </a:solidFill>
+                        </a:rPr>
+                        <a:t>0</a:t>
+                      </a:r>
+                      <a:r>
+                        <a:rPr lang="en-US" dirty="0">
+                          <a:solidFill>
+                            <a:schemeClr val="bg1"/>
+                          </a:solidFill>
+                        </a:rPr>
+                        <a:t>1101</a:t>
                       </a:r>
                       <a:r>
                         <a:rPr lang="en-US" b="1" dirty="0"/>
@@ -30849,6 +32017,57 @@
                     </a:solidFill>
                   </a:tcPr>
                 </a:tc>
+                <a:tc>
+                  <a:txBody>
+                    <a:bodyPr/>
+                    <a:lstStyle/>
+                    <a:p>
+                      <a:pPr algn="ctr"/>
+                      <a:endParaRPr lang="en-US" b="1" dirty="0"/>
+                    </a:p>
+                  </a:txBody>
+                  <a:tcPr>
+                    <a:lnL w="12700" cap="flat" cmpd="sng" algn="ctr">
+                      <a:solidFill>
+                        <a:schemeClr val="tx1"/>
+                      </a:solidFill>
+                      <a:prstDash val="solid"/>
+                      <a:round/>
+                      <a:headEnd type="none" w="med" len="med"/>
+                      <a:tailEnd type="none" w="med" len="med"/>
+                    </a:lnL>
+                    <a:lnR w="12700" cap="flat" cmpd="sng" algn="ctr">
+                      <a:solidFill>
+                        <a:schemeClr val="tx1"/>
+                      </a:solidFill>
+                      <a:prstDash val="solid"/>
+                      <a:round/>
+                      <a:headEnd type="none" w="med" len="med"/>
+                      <a:tailEnd type="none" w="med" len="med"/>
+                    </a:lnR>
+                    <a:lnT w="12700" cap="flat" cmpd="sng" algn="ctr">
+                      <a:solidFill>
+                        <a:schemeClr val="tx1"/>
+                      </a:solidFill>
+                      <a:prstDash val="solid"/>
+                      <a:round/>
+                      <a:headEnd type="none" w="med" len="med"/>
+                      <a:tailEnd type="none" w="med" len="med"/>
+                    </a:lnT>
+                    <a:lnB w="12700" cap="flat" cmpd="sng" algn="ctr">
+                      <a:solidFill>
+                        <a:schemeClr val="tx1"/>
+                      </a:solidFill>
+                      <a:prstDash val="solid"/>
+                      <a:round/>
+                      <a:headEnd type="none" w="med" len="med"/>
+                      <a:tailEnd type="none" w="med" len="med"/>
+                    </a:lnB>
+                    <a:solidFill>
+                      <a:schemeClr val="bg1"/>
+                    </a:solidFill>
+                  </a:tcPr>
+                </a:tc>
                 <a:extLst>
                   <a:ext uri="{0D108BD9-81ED-4DB2-BD59-A6C34878D82A}">
                     <a16:rowId xmlns:a16="http://schemas.microsoft.com/office/drawing/2014/main" val="910194687"/>
@@ -30856,6 +32075,57 @@
                 </a:extLst>
               </a:tr>
               <a:tr h="383346">
+                <a:tc>
+                  <a:txBody>
+                    <a:bodyPr/>
+                    <a:lstStyle/>
+                    <a:p>
+                      <a:pPr algn="ctr"/>
+                      <a:endParaRPr lang="en-US" b="1" dirty="0"/>
+                    </a:p>
+                  </a:txBody>
+                  <a:tcPr>
+                    <a:lnL w="12700" cap="flat" cmpd="sng" algn="ctr">
+                      <a:solidFill>
+                        <a:schemeClr val="tx1"/>
+                      </a:solidFill>
+                      <a:prstDash val="solid"/>
+                      <a:round/>
+                      <a:headEnd type="none" w="med" len="med"/>
+                      <a:tailEnd type="none" w="med" len="med"/>
+                    </a:lnL>
+                    <a:lnR w="12700" cap="flat" cmpd="sng" algn="ctr">
+                      <a:solidFill>
+                        <a:schemeClr val="tx1"/>
+                      </a:solidFill>
+                      <a:prstDash val="solid"/>
+                      <a:round/>
+                      <a:headEnd type="none" w="med" len="med"/>
+                      <a:tailEnd type="none" w="med" len="med"/>
+                    </a:lnR>
+                    <a:lnT w="12700" cap="flat" cmpd="sng" algn="ctr">
+                      <a:solidFill>
+                        <a:schemeClr val="tx1"/>
+                      </a:solidFill>
+                      <a:prstDash val="solid"/>
+                      <a:round/>
+                      <a:headEnd type="none" w="med" len="med"/>
+                      <a:tailEnd type="none" w="med" len="med"/>
+                    </a:lnT>
+                    <a:lnB w="12700" cap="flat" cmpd="sng" algn="ctr">
+                      <a:solidFill>
+                        <a:schemeClr val="tx1"/>
+                      </a:solidFill>
+                      <a:prstDash val="solid"/>
+                      <a:round/>
+                      <a:headEnd type="none" w="med" len="med"/>
+                      <a:tailEnd type="none" w="med" len="med"/>
+                    </a:lnB>
+                    <a:solidFill>
+                      <a:schemeClr val="bg1"/>
+                    </a:solidFill>
+                  </a:tcPr>
+                </a:tc>
                 <a:tc>
                   <a:txBody>
                     <a:bodyPr/>
@@ -31192,7 +32462,7 @@
                   <a:schemeClr val="bg1"/>
                 </a:solidFill>
               </a:rPr>
-              <a:t>e = 3</a:t>
+              <a:t>E = 4</a:t>
             </a:r>
           </a:p>
         </p:txBody>
@@ -31281,6 +32551,100 @@
                 </a:solidFill>
               </a:rPr>
               <a:t>Replace!</a:t>
+            </a:r>
+          </a:p>
+        </p:txBody>
+      </p:sp>
+      <p:sp>
+        <p:nvSpPr>
+          <p:cNvPr id="24" name="TextBox 23">
+            <a:extLst>
+              <a:ext uri="{FF2B5EF4-FFF2-40B4-BE49-F238E27FC236}">
+                <a16:creationId xmlns:a16="http://schemas.microsoft.com/office/drawing/2014/main" id="{F1677452-8E68-4D66-9E69-6A4155F09339}"/>
+              </a:ext>
+            </a:extLst>
+          </p:cNvPr>
+          <p:cNvSpPr txBox="1"/>
+          <p:nvPr/>
+        </p:nvSpPr>
+        <p:spPr>
+          <a:xfrm>
+            <a:off x="8716858" y="741705"/>
+            <a:ext cx="2534665" cy="1754326"/>
+          </a:xfrm>
+          <a:prstGeom prst="rect">
+            <a:avLst/>
+          </a:prstGeom>
+          <a:noFill/>
+        </p:spPr>
+        <p:txBody>
+          <a:bodyPr wrap="square" rtlCol="0">
+            <a:spAutoFit/>
+          </a:bodyPr>
+          <a:lstStyle/>
+          <a:p>
+            <a:pPr algn="ctr"/>
+            <a:r>
+              <a:rPr lang="en-US" dirty="0">
+                <a:solidFill>
+                  <a:schemeClr val="bg1"/>
+                </a:solidFill>
+              </a:rPr>
+              <a:t>E-way Set Associative</a:t>
+            </a:r>
+          </a:p>
+          <a:p>
+            <a:pPr algn="ctr"/>
+            <a:endParaRPr lang="en-US" dirty="0">
+              <a:solidFill>
+                <a:schemeClr val="bg1"/>
+              </a:solidFill>
+            </a:endParaRPr>
+          </a:p>
+          <a:p>
+            <a:pPr algn="ctr"/>
+            <a:r>
+              <a:rPr lang="en-US" dirty="0">
+                <a:solidFill>
+                  <a:schemeClr val="bg1"/>
+                </a:solidFill>
+              </a:rPr>
+              <a:t>(each set contains ‘2^e’ (E) entries)</a:t>
+            </a:r>
+          </a:p>
+          <a:p>
+            <a:pPr algn="ctr"/>
+            <a:endParaRPr lang="en-US" dirty="0">
+              <a:solidFill>
+                <a:schemeClr val="bg1"/>
+              </a:solidFill>
+            </a:endParaRPr>
+          </a:p>
+          <a:p>
+            <a:pPr algn="ctr"/>
+            <a:r>
+              <a:rPr lang="en-US" dirty="0">
+                <a:solidFill>
+                  <a:schemeClr val="bg1"/>
+                </a:solidFill>
+              </a:rPr>
+              <a:t>(mapping to any </a:t>
+            </a:r>
+            <a:r>
+              <a:rPr lang="en-US" b="1" dirty="0">
+                <a:solidFill>
+                  <a:schemeClr val="bg1"/>
+                </a:solidFill>
+              </a:rPr>
+              <a:t>E</a:t>
+            </a:r>
+            <a:r>
+              <a:rPr lang="en-US" dirty="0">
+                <a:solidFill>
+                  <a:schemeClr val="bg1"/>
+                </a:solidFill>
+              </a:rPr>
+              <a:t> in s)</a:t>
             </a:r>
           </a:p>
         </p:txBody>
@@ -31546,76 +32910,6 @@
       </p:sp>
       <p:sp>
         <p:nvSpPr>
-          <p:cNvPr id="9" name="TextBox 8">
-            <a:extLst>
-              <a:ext uri="{FF2B5EF4-FFF2-40B4-BE49-F238E27FC236}">
-                <a16:creationId xmlns:a16="http://schemas.microsoft.com/office/drawing/2014/main" id="{486EB97C-0A97-47E9-ABC7-524C5E6C61CF}"/>
-              </a:ext>
-            </a:extLst>
-          </p:cNvPr>
-          <p:cNvSpPr txBox="1"/>
-          <p:nvPr/>
-        </p:nvSpPr>
-        <p:spPr>
-          <a:xfrm>
-            <a:off x="8716858" y="741705"/>
-            <a:ext cx="2534665" cy="1754326"/>
-          </a:xfrm>
-          <a:prstGeom prst="rect">
-            <a:avLst/>
-          </a:prstGeom>
-          <a:noFill/>
-        </p:spPr>
-        <p:txBody>
-          <a:bodyPr wrap="square" rtlCol="0">
-            <a:spAutoFit/>
-          </a:bodyPr>
-          <a:lstStyle/>
-          <a:p>
-            <a:pPr algn="ctr"/>
-            <a:r>
-              <a:rPr lang="en-US" dirty="0">
-                <a:solidFill>
-                  <a:schemeClr val="bg1"/>
-                </a:solidFill>
-              </a:rPr>
-              <a:t>E-way Set Associative (N-set)</a:t>
-            </a:r>
-          </a:p>
-          <a:p>
-            <a:pPr algn="ctr"/>
-            <a:r>
-              <a:rPr lang="en-US" dirty="0">
-                <a:solidFill>
-                  <a:schemeClr val="bg1"/>
-                </a:solidFill>
-              </a:rPr>
-              <a:t>(each set contains ‘2^e’ entries)</a:t>
-            </a:r>
-          </a:p>
-          <a:p>
-            <a:pPr algn="ctr"/>
-            <a:endParaRPr lang="en-US" dirty="0">
-              <a:solidFill>
-                <a:schemeClr val="bg1"/>
-              </a:solidFill>
-            </a:endParaRPr>
-          </a:p>
-          <a:p>
-            <a:pPr algn="ctr"/>
-            <a:r>
-              <a:rPr lang="en-US" dirty="0">
-                <a:solidFill>
-                  <a:schemeClr val="bg1"/>
-                </a:solidFill>
-              </a:rPr>
-              <a:t>(mapping to any e in s)</a:t>
-            </a:r>
-          </a:p>
-        </p:txBody>
-      </p:sp>
-      <p:sp>
-        <p:nvSpPr>
           <p:cNvPr id="13" name="Rectangle: Rounded Corners 12">
             <a:extLst>
               <a:ext uri="{FF2B5EF4-FFF2-40B4-BE49-F238E27FC236}">
@@ -31902,7 +33196,7 @@
                   <a:schemeClr val="bg1"/>
                 </a:solidFill>
               </a:rPr>
-              <a:t>1110</a:t>
+              <a:t>11100</a:t>
             </a:r>
           </a:p>
           <a:p>
@@ -31953,7 +33247,7 @@
                   <a:schemeClr val="bg1"/>
                 </a:solidFill>
               </a:rPr>
-              <a:t>001</a:t>
+              <a:t>01</a:t>
             </a:r>
           </a:p>
           <a:p>
@@ -32018,23 +33312,296 @@
           </a:p>
         </p:txBody>
       </p:sp>
+      <p:sp>
+        <p:nvSpPr>
+          <p:cNvPr id="20" name="Rectangle: Rounded Corners 19">
+            <a:extLst>
+              <a:ext uri="{FF2B5EF4-FFF2-40B4-BE49-F238E27FC236}">
+                <a16:creationId xmlns:a16="http://schemas.microsoft.com/office/drawing/2014/main" id="{AE906A5D-B46C-4443-93E6-DD23BC6B2F3C}"/>
+              </a:ext>
+            </a:extLst>
+          </p:cNvPr>
+          <p:cNvSpPr/>
+          <p:nvPr/>
+        </p:nvSpPr>
+        <p:spPr>
+          <a:xfrm>
+            <a:off x="131292" y="3429000"/>
+            <a:ext cx="1071529" cy="558142"/>
+          </a:xfrm>
+          <a:prstGeom prst="roundRect">
+            <a:avLst/>
+          </a:prstGeom>
+          <a:solidFill>
+            <a:srgbClr val="7030A0"/>
+          </a:solidFill>
+        </p:spPr>
+        <p:style>
+          <a:lnRef idx="2">
+            <a:schemeClr val="accent1">
+              <a:shade val="50000"/>
+            </a:schemeClr>
+          </a:lnRef>
+          <a:fillRef idx="1">
+            <a:schemeClr val="accent1"/>
+          </a:fillRef>
+          <a:effectRef idx="0">
+            <a:schemeClr val="accent1"/>
+          </a:effectRef>
+          <a:fontRef idx="minor">
+            <a:schemeClr val="lt1"/>
+          </a:fontRef>
+        </p:style>
+        <p:txBody>
+          <a:bodyPr rtlCol="0" anchor="ctr"/>
+          <a:lstStyle/>
+          <a:p>
+            <a:pPr algn="ctr"/>
+            <a:endParaRPr lang="en-US" dirty="0"/>
+          </a:p>
+        </p:txBody>
+      </p:sp>
+      <p:sp>
+        <p:nvSpPr>
+          <p:cNvPr id="21" name="TextBox 20">
+            <a:extLst>
+              <a:ext uri="{FF2B5EF4-FFF2-40B4-BE49-F238E27FC236}">
+                <a16:creationId xmlns:a16="http://schemas.microsoft.com/office/drawing/2014/main" id="{2C671479-930E-415A-B69A-ECBBEE15D322}"/>
+              </a:ext>
+            </a:extLst>
+          </p:cNvPr>
+          <p:cNvSpPr txBox="1"/>
+          <p:nvPr/>
+        </p:nvSpPr>
+        <p:spPr>
+          <a:xfrm>
+            <a:off x="211450" y="3523405"/>
+            <a:ext cx="968892" cy="369332"/>
+          </a:xfrm>
+          <a:prstGeom prst="rect">
+            <a:avLst/>
+          </a:prstGeom>
+          <a:noFill/>
+        </p:spPr>
+        <p:txBody>
+          <a:bodyPr wrap="square" rtlCol="0">
+            <a:spAutoFit/>
+          </a:bodyPr>
+          <a:lstStyle/>
+          <a:p>
+            <a:pPr algn="ctr"/>
+            <a:r>
+              <a:rPr lang="en-US" dirty="0">
+                <a:solidFill>
+                  <a:schemeClr val="bg1"/>
+                </a:solidFill>
+              </a:rPr>
+              <a:t>S = 4</a:t>
+            </a:r>
+          </a:p>
+        </p:txBody>
+      </p:sp>
+      <p:sp>
+        <p:nvSpPr>
+          <p:cNvPr id="22" name="Rectangle: Rounded Corners 21">
+            <a:extLst>
+              <a:ext uri="{FF2B5EF4-FFF2-40B4-BE49-F238E27FC236}">
+                <a16:creationId xmlns:a16="http://schemas.microsoft.com/office/drawing/2014/main" id="{1FEE8CFF-ECB2-4E6C-9D09-0F648D52A491}"/>
+              </a:ext>
+            </a:extLst>
+          </p:cNvPr>
+          <p:cNvSpPr/>
+          <p:nvPr/>
+        </p:nvSpPr>
+        <p:spPr>
+          <a:xfrm>
+            <a:off x="2826867" y="2015542"/>
+            <a:ext cx="1071529" cy="558142"/>
+          </a:xfrm>
+          <a:prstGeom prst="roundRect">
+            <a:avLst/>
+          </a:prstGeom>
+          <a:solidFill>
+            <a:srgbClr val="7030A0"/>
+          </a:solidFill>
+        </p:spPr>
+        <p:style>
+          <a:lnRef idx="2">
+            <a:schemeClr val="accent1">
+              <a:shade val="50000"/>
+            </a:schemeClr>
+          </a:lnRef>
+          <a:fillRef idx="1">
+            <a:schemeClr val="accent1"/>
+          </a:fillRef>
+          <a:effectRef idx="0">
+            <a:schemeClr val="accent1"/>
+          </a:effectRef>
+          <a:fontRef idx="minor">
+            <a:schemeClr val="lt1"/>
+          </a:fontRef>
+        </p:style>
+        <p:txBody>
+          <a:bodyPr rtlCol="0" anchor="ctr"/>
+          <a:lstStyle/>
+          <a:p>
+            <a:pPr algn="ctr"/>
+            <a:endParaRPr lang="en-US" dirty="0"/>
+          </a:p>
+        </p:txBody>
+      </p:sp>
+      <p:sp>
+        <p:nvSpPr>
+          <p:cNvPr id="23" name="TextBox 22">
+            <a:extLst>
+              <a:ext uri="{FF2B5EF4-FFF2-40B4-BE49-F238E27FC236}">
+                <a16:creationId xmlns:a16="http://schemas.microsoft.com/office/drawing/2014/main" id="{3B931BB1-E6A7-43B1-8A62-36B8C726AF14}"/>
+              </a:ext>
+            </a:extLst>
+          </p:cNvPr>
+          <p:cNvSpPr txBox="1"/>
+          <p:nvPr/>
+        </p:nvSpPr>
+        <p:spPr>
+          <a:xfrm>
+            <a:off x="2907025" y="2109947"/>
+            <a:ext cx="968892" cy="369332"/>
+          </a:xfrm>
+          <a:prstGeom prst="rect">
+            <a:avLst/>
+          </a:prstGeom>
+          <a:noFill/>
+        </p:spPr>
+        <p:txBody>
+          <a:bodyPr wrap="square" rtlCol="0">
+            <a:spAutoFit/>
+          </a:bodyPr>
+          <a:lstStyle/>
+          <a:p>
+            <a:pPr algn="ctr"/>
+            <a:r>
+              <a:rPr lang="en-US" dirty="0">
+                <a:solidFill>
+                  <a:schemeClr val="bg1"/>
+                </a:solidFill>
+              </a:rPr>
+              <a:t>E = 4</a:t>
+            </a:r>
+          </a:p>
+        </p:txBody>
+      </p:sp>
+      <p:sp>
+        <p:nvSpPr>
+          <p:cNvPr id="10" name="Rectangle: Rounded Corners 9">
+            <a:extLst>
+              <a:ext uri="{FF2B5EF4-FFF2-40B4-BE49-F238E27FC236}">
+                <a16:creationId xmlns:a16="http://schemas.microsoft.com/office/drawing/2014/main" id="{AE30A87A-EAFD-420B-A900-CD73A775B88A}"/>
+              </a:ext>
+            </a:extLst>
+          </p:cNvPr>
+          <p:cNvSpPr/>
+          <p:nvPr/>
+        </p:nvSpPr>
+        <p:spPr>
+          <a:xfrm>
+            <a:off x="2826866" y="4898331"/>
+            <a:ext cx="1071529" cy="646331"/>
+          </a:xfrm>
+          <a:prstGeom prst="roundRect">
+            <a:avLst/>
+          </a:prstGeom>
+          <a:solidFill>
+            <a:srgbClr val="7030A0"/>
+          </a:solidFill>
+        </p:spPr>
+        <p:style>
+          <a:lnRef idx="2">
+            <a:schemeClr val="accent1">
+              <a:shade val="50000"/>
+            </a:schemeClr>
+          </a:lnRef>
+          <a:fillRef idx="1">
+            <a:schemeClr val="accent1"/>
+          </a:fillRef>
+          <a:effectRef idx="0">
+            <a:schemeClr val="accent1"/>
+          </a:effectRef>
+          <a:fontRef idx="minor">
+            <a:schemeClr val="lt1"/>
+          </a:fontRef>
+        </p:style>
+        <p:txBody>
+          <a:bodyPr rtlCol="0" anchor="ctr"/>
+          <a:lstStyle/>
+          <a:p>
+            <a:pPr algn="ctr"/>
+            <a:endParaRPr lang="en-US" dirty="0"/>
+          </a:p>
+        </p:txBody>
+      </p:sp>
+      <p:sp>
+        <p:nvSpPr>
+          <p:cNvPr id="11" name="TextBox 10">
+            <a:extLst>
+              <a:ext uri="{FF2B5EF4-FFF2-40B4-BE49-F238E27FC236}">
+                <a16:creationId xmlns:a16="http://schemas.microsoft.com/office/drawing/2014/main" id="{0E122CF9-1F57-4AA6-9DFB-CC9F2C7EE195}"/>
+              </a:ext>
+            </a:extLst>
+          </p:cNvPr>
+          <p:cNvSpPr txBox="1"/>
+          <p:nvPr/>
+        </p:nvSpPr>
+        <p:spPr>
+          <a:xfrm>
+            <a:off x="2782915" y="5036830"/>
+            <a:ext cx="1183346" cy="369332"/>
+          </a:xfrm>
+          <a:prstGeom prst="rect">
+            <a:avLst/>
+          </a:prstGeom>
+          <a:noFill/>
+        </p:spPr>
+        <p:txBody>
+          <a:bodyPr wrap="square" rtlCol="0">
+            <a:spAutoFit/>
+          </a:bodyPr>
+          <a:lstStyle/>
+          <a:p>
+            <a:pPr algn="ctr"/>
+            <a:r>
+              <a:rPr lang="en-US" dirty="0">
+                <a:solidFill>
+                  <a:schemeClr val="bg1"/>
+                </a:solidFill>
+              </a:rPr>
+              <a:t>10100 LRU</a:t>
+            </a:r>
+          </a:p>
+        </p:txBody>
+      </p:sp>
       <p:graphicFrame>
         <p:nvGraphicFramePr>
-          <p:cNvPr id="19" name="Table 5">
+          <p:cNvPr id="24" name="Table 5">
             <a:extLst>
               <a:ext uri="{FF2B5EF4-FFF2-40B4-BE49-F238E27FC236}">
-                <a16:creationId xmlns:a16="http://schemas.microsoft.com/office/drawing/2014/main" id="{AEE33FDA-821E-449B-A52A-B812F7153ACD}"/>
+                <a16:creationId xmlns:a16="http://schemas.microsoft.com/office/drawing/2014/main" id="{73396FD8-7F41-4C3B-B79D-5374DC7A7B7B}"/>
               </a:ext>
             </a:extLst>
           </p:cNvPr>
           <p:cNvGraphicFramePr>
             <a:graphicFrameLocks noGrp="1"/>
           </p:cNvGraphicFramePr>
-          <p:nvPr/>
+          <p:nvPr>
+            <p:extLst>
+              <p:ext uri="{D42A27DB-BD31-4B8C-83A1-F6EECF244321}">
+                <p14:modId xmlns:p14="http://schemas.microsoft.com/office/powerpoint/2010/main" val="2156750746"/>
+              </p:ext>
+            </p:extLst>
+          </p:nvPr>
         </p:nvGraphicFramePr>
         <p:xfrm>
-          <a:off x="1555313" y="2798969"/>
-          <a:ext cx="3638550" cy="1790118"/>
+          <a:off x="1426258" y="2786474"/>
+          <a:ext cx="3896660" cy="1790118"/>
         </p:xfrm>
         <a:graphic>
           <a:graphicData uri="http://schemas.openxmlformats.org/drawingml/2006/table">
@@ -32043,24 +33610,31 @@
                 <a:tableStyleId>{5C22544A-7EE6-4342-B048-85BDC9FD1C3A}</a:tableStyleId>
               </a:tblPr>
               <a:tblGrid>
-                <a:gridCol w="1212850">
+                <a:gridCol w="974165">
                   <a:extLst>
                     <a:ext uri="{9D8B030D-6E8A-4147-A177-3AD203B41FA5}">
                       <a16:colId xmlns:a16="http://schemas.microsoft.com/office/drawing/2014/main" val="4177000608"/>
                     </a:ext>
                   </a:extLst>
                 </a:gridCol>
-                <a:gridCol w="1212850">
+                <a:gridCol w="974165">
                   <a:extLst>
                     <a:ext uri="{9D8B030D-6E8A-4147-A177-3AD203B41FA5}">
                       <a16:colId xmlns:a16="http://schemas.microsoft.com/office/drawing/2014/main" val="1811945546"/>
                     </a:ext>
                   </a:extLst>
                 </a:gridCol>
-                <a:gridCol w="1212850">
+                <a:gridCol w="974165">
                   <a:extLst>
                     <a:ext uri="{9D8B030D-6E8A-4147-A177-3AD203B41FA5}">
                       <a16:colId xmlns:a16="http://schemas.microsoft.com/office/drawing/2014/main" val="3124206422"/>
+                    </a:ext>
+                  </a:extLst>
+                </a:gridCol>
+                <a:gridCol w="974165">
+                  <a:extLst>
+                    <a:ext uri="{9D8B030D-6E8A-4147-A177-3AD203B41FA5}">
+                      <a16:colId xmlns:a16="http://schemas.microsoft.com/office/drawing/2014/main" val="823396284"/>
                     </a:ext>
                   </a:extLst>
                 </a:gridCol>
@@ -32243,6 +33817,57 @@
                     </a:solidFill>
                   </a:tcPr>
                 </a:tc>
+                <a:tc>
+                  <a:txBody>
+                    <a:bodyPr/>
+                    <a:lstStyle/>
+                    <a:p>
+                      <a:pPr algn="ctr"/>
+                      <a:endParaRPr lang="en-US" dirty="0"/>
+                    </a:p>
+                  </a:txBody>
+                  <a:tcPr>
+                    <a:lnL w="12700" cap="flat" cmpd="sng" algn="ctr">
+                      <a:solidFill>
+                        <a:schemeClr val="tx1"/>
+                      </a:solidFill>
+                      <a:prstDash val="solid"/>
+                      <a:round/>
+                      <a:headEnd type="none" w="med" len="med"/>
+                      <a:tailEnd type="none" w="med" len="med"/>
+                    </a:lnL>
+                    <a:lnR w="12700" cap="flat" cmpd="sng" algn="ctr">
+                      <a:solidFill>
+                        <a:schemeClr val="tx1"/>
+                      </a:solidFill>
+                      <a:prstDash val="solid"/>
+                      <a:round/>
+                      <a:headEnd type="none" w="med" len="med"/>
+                      <a:tailEnd type="none" w="med" len="med"/>
+                    </a:lnR>
+                    <a:lnT w="12700" cap="flat" cmpd="sng" algn="ctr">
+                      <a:solidFill>
+                        <a:schemeClr val="tx1"/>
+                      </a:solidFill>
+                      <a:prstDash val="solid"/>
+                      <a:round/>
+                      <a:headEnd type="none" w="med" len="med"/>
+                      <a:tailEnd type="none" w="med" len="med"/>
+                    </a:lnT>
+                    <a:lnB w="12700" cap="flat" cmpd="sng" algn="ctr">
+                      <a:solidFill>
+                        <a:schemeClr val="tx1"/>
+                      </a:solidFill>
+                      <a:prstDash val="solid"/>
+                      <a:round/>
+                      <a:headEnd type="none" w="med" len="med"/>
+                      <a:tailEnd type="none" w="med" len="med"/>
+                    </a:lnB>
+                    <a:solidFill>
+                      <a:schemeClr val="bg1"/>
+                    </a:solidFill>
+                  </a:tcPr>
+                </a:tc>
                 <a:extLst>
                   <a:ext uri="{0D108BD9-81ED-4DB2-BD59-A6C34878D82A}">
                     <a16:rowId xmlns:a16="http://schemas.microsoft.com/office/drawing/2014/main" val="365532486"/>
@@ -32274,7 +33899,7 @@
                             <a:schemeClr val="bg1"/>
                           </a:solidFill>
                         </a:rPr>
-                        <a:t>10</a:t>
+                        <a:t>100</a:t>
                       </a:r>
                       <a:r>
                         <a:rPr lang="en-US" b="1" dirty="0"/>
@@ -32356,7 +33981,7 @@
                             <a:schemeClr val="bg1"/>
                           </a:solidFill>
                         </a:rPr>
-                        <a:t>1010</a:t>
+                        <a:t>10100</a:t>
                       </a:r>
                       <a:r>
                         <a:rPr lang="en-US" b="1" dirty="0"/>
@@ -32446,7 +34071,97 @@
                             <a:schemeClr val="bg1"/>
                           </a:solidFill>
                         </a:rPr>
-                        <a:t>110</a:t>
+                        <a:t>1100</a:t>
+                      </a:r>
+                      <a:r>
+                        <a:rPr lang="en-US" b="1" dirty="0"/>
+                        <a:t>] Data</a:t>
+                      </a:r>
+                    </a:p>
+                  </a:txBody>
+                  <a:tcPr>
+                    <a:lnL w="12700" cap="flat" cmpd="sng" algn="ctr">
+                      <a:solidFill>
+                        <a:schemeClr val="tx1"/>
+                      </a:solidFill>
+                      <a:prstDash val="solid"/>
+                      <a:round/>
+                      <a:headEnd type="none" w="med" len="med"/>
+                      <a:tailEnd type="none" w="med" len="med"/>
+                    </a:lnL>
+                    <a:lnR w="12700" cap="flat" cmpd="sng" algn="ctr">
+                      <a:solidFill>
+                        <a:schemeClr val="tx1"/>
+                      </a:solidFill>
+                      <a:prstDash val="solid"/>
+                      <a:round/>
+                      <a:headEnd type="none" w="med" len="med"/>
+                      <a:tailEnd type="none" w="med" len="med"/>
+                    </a:lnR>
+                    <a:lnT w="12700" cap="flat" cmpd="sng" algn="ctr">
+                      <a:solidFill>
+                        <a:schemeClr val="tx1"/>
+                      </a:solidFill>
+                      <a:prstDash val="solid"/>
+                      <a:round/>
+                      <a:headEnd type="none" w="med" len="med"/>
+                      <a:tailEnd type="none" w="med" len="med"/>
+                    </a:lnT>
+                    <a:lnB w="12700" cap="flat" cmpd="sng" algn="ctr">
+                      <a:solidFill>
+                        <a:schemeClr val="tx1"/>
+                      </a:solidFill>
+                      <a:prstDash val="solid"/>
+                      <a:round/>
+                      <a:headEnd type="none" w="med" len="med"/>
+                      <a:tailEnd type="none" w="med" len="med"/>
+                    </a:lnB>
+                    <a:solidFill>
+                      <a:srgbClr val="00B050"/>
+                    </a:solidFill>
+                  </a:tcPr>
+                </a:tc>
+                <a:tc>
+                  <a:txBody>
+                    <a:bodyPr/>
+                    <a:lstStyle/>
+                    <a:p>
+                      <a:pPr marL="0" marR="0" lvl="0" indent="0" algn="ctr" defTabSz="914400" rtl="0" eaLnBrk="1" fontAlgn="auto" latinLnBrk="0" hangingPunct="1">
+                        <a:lnSpc>
+                          <a:spcPct val="100000"/>
+                        </a:lnSpc>
+                        <a:spcBef>
+                          <a:spcPts val="0"/>
+                        </a:spcBef>
+                        <a:spcAft>
+                          <a:spcPts val="0"/>
+                        </a:spcAft>
+                        <a:buClrTx/>
+                        <a:buSzTx/>
+                        <a:buFontTx/>
+                        <a:buNone/>
+                        <a:tabLst/>
+                        <a:defRPr/>
+                      </a:pPr>
+                      <a:r>
+                        <a:rPr lang="en-US" b="1" dirty="0"/>
+                        <a:t>[</a:t>
+                      </a:r>
+                      <a:r>
+                        <a:rPr lang="en-US" b="1" dirty="0">
+                          <a:solidFill>
+                            <a:schemeClr val="bg1"/>
+                          </a:solidFill>
+                        </a:rPr>
+                        <a:t>0</a:t>
+                      </a:r>
+                      <a:r>
+                        <a:rPr lang="en-US" dirty="0">
+                          <a:solidFill>
+                            <a:schemeClr val="bg1"/>
+                          </a:solidFill>
+                        </a:rPr>
+                        <a:t>1101</a:t>
                       </a:r>
                       <a:r>
                         <a:rPr lang="en-US" b="1" dirty="0"/>
@@ -32656,6 +34371,57 @@
                     </a:solidFill>
                   </a:tcPr>
                 </a:tc>
+                <a:tc>
+                  <a:txBody>
+                    <a:bodyPr/>
+                    <a:lstStyle/>
+                    <a:p>
+                      <a:pPr algn="ctr"/>
+                      <a:endParaRPr lang="en-US" b="1" dirty="0"/>
+                    </a:p>
+                  </a:txBody>
+                  <a:tcPr>
+                    <a:lnL w="12700" cap="flat" cmpd="sng" algn="ctr">
+                      <a:solidFill>
+                        <a:schemeClr val="tx1"/>
+                      </a:solidFill>
+                      <a:prstDash val="solid"/>
+                      <a:round/>
+                      <a:headEnd type="none" w="med" len="med"/>
+                      <a:tailEnd type="none" w="med" len="med"/>
+                    </a:lnL>
+                    <a:lnR w="12700" cap="flat" cmpd="sng" algn="ctr">
+                      <a:solidFill>
+                        <a:schemeClr val="tx1"/>
+                      </a:solidFill>
+                      <a:prstDash val="solid"/>
+                      <a:round/>
+                      <a:headEnd type="none" w="med" len="med"/>
+                      <a:tailEnd type="none" w="med" len="med"/>
+                    </a:lnR>
+                    <a:lnT w="12700" cap="flat" cmpd="sng" algn="ctr">
+                      <a:solidFill>
+                        <a:schemeClr val="tx1"/>
+                      </a:solidFill>
+                      <a:prstDash val="solid"/>
+                      <a:round/>
+                      <a:headEnd type="none" w="med" len="med"/>
+                      <a:tailEnd type="none" w="med" len="med"/>
+                    </a:lnT>
+                    <a:lnB w="12700" cap="flat" cmpd="sng" algn="ctr">
+                      <a:solidFill>
+                        <a:schemeClr val="tx1"/>
+                      </a:solidFill>
+                      <a:prstDash val="solid"/>
+                      <a:round/>
+                      <a:headEnd type="none" w="med" len="med"/>
+                      <a:tailEnd type="none" w="med" len="med"/>
+                    </a:lnB>
+                    <a:solidFill>
+                      <a:schemeClr val="bg1"/>
+                    </a:solidFill>
+                  </a:tcPr>
+                </a:tc>
                 <a:extLst>
                   <a:ext uri="{0D108BD9-81ED-4DB2-BD59-A6C34878D82A}">
                     <a16:rowId xmlns:a16="http://schemas.microsoft.com/office/drawing/2014/main" val="910194687"/>
@@ -32816,6 +34582,57 @@
                     </a:solidFill>
                   </a:tcPr>
                 </a:tc>
+                <a:tc>
+                  <a:txBody>
+                    <a:bodyPr/>
+                    <a:lstStyle/>
+                    <a:p>
+                      <a:pPr algn="ctr"/>
+                      <a:endParaRPr lang="en-US" b="1" dirty="0"/>
+                    </a:p>
+                  </a:txBody>
+                  <a:tcPr>
+                    <a:lnL w="12700" cap="flat" cmpd="sng" algn="ctr">
+                      <a:solidFill>
+                        <a:schemeClr val="tx1"/>
+                      </a:solidFill>
+                      <a:prstDash val="solid"/>
+                      <a:round/>
+                      <a:headEnd type="none" w="med" len="med"/>
+                      <a:tailEnd type="none" w="med" len="med"/>
+                    </a:lnL>
+                    <a:lnR w="12700" cap="flat" cmpd="sng" algn="ctr">
+                      <a:solidFill>
+                        <a:schemeClr val="tx1"/>
+                      </a:solidFill>
+                      <a:prstDash val="solid"/>
+                      <a:round/>
+                      <a:headEnd type="none" w="med" len="med"/>
+                      <a:tailEnd type="none" w="med" len="med"/>
+                    </a:lnR>
+                    <a:lnT w="12700" cap="flat" cmpd="sng" algn="ctr">
+                      <a:solidFill>
+                        <a:schemeClr val="tx1"/>
+                      </a:solidFill>
+                      <a:prstDash val="solid"/>
+                      <a:round/>
+                      <a:headEnd type="none" w="med" len="med"/>
+                      <a:tailEnd type="none" w="med" len="med"/>
+                    </a:lnT>
+                    <a:lnB w="12700" cap="flat" cmpd="sng" algn="ctr">
+                      <a:solidFill>
+                        <a:schemeClr val="tx1"/>
+                      </a:solidFill>
+                      <a:prstDash val="solid"/>
+                      <a:round/>
+                      <a:headEnd type="none" w="med" len="med"/>
+                      <a:tailEnd type="none" w="med" len="med"/>
+                    </a:lnB>
+                    <a:solidFill>
+                      <a:schemeClr val="bg1"/>
+                    </a:solidFill>
+                  </a:tcPr>
+                </a:tc>
                 <a:extLst>
                   <a:ext uri="{0D108BD9-81ED-4DB2-BD59-A6C34878D82A}">
                     <a16:rowId xmlns:a16="http://schemas.microsoft.com/office/drawing/2014/main" val="524999477"/>
@@ -32828,59 +34645,10 @@
       </p:graphicFrame>
       <p:sp>
         <p:nvSpPr>
-          <p:cNvPr id="20" name="Rectangle: Rounded Corners 19">
+          <p:cNvPr id="25" name="TextBox 24">
             <a:extLst>
               <a:ext uri="{FF2B5EF4-FFF2-40B4-BE49-F238E27FC236}">
-                <a16:creationId xmlns:a16="http://schemas.microsoft.com/office/drawing/2014/main" id="{AE906A5D-B46C-4443-93E6-DD23BC6B2F3C}"/>
-              </a:ext>
-            </a:extLst>
-          </p:cNvPr>
-          <p:cNvSpPr/>
-          <p:nvPr/>
-        </p:nvSpPr>
-        <p:spPr>
-          <a:xfrm>
-            <a:off x="131292" y="3429000"/>
-            <a:ext cx="1071529" cy="558142"/>
-          </a:xfrm>
-          <a:prstGeom prst="roundRect">
-            <a:avLst/>
-          </a:prstGeom>
-          <a:solidFill>
-            <a:srgbClr val="7030A0"/>
-          </a:solidFill>
-        </p:spPr>
-        <p:style>
-          <a:lnRef idx="2">
-            <a:schemeClr val="accent1">
-              <a:shade val="50000"/>
-            </a:schemeClr>
-          </a:lnRef>
-          <a:fillRef idx="1">
-            <a:schemeClr val="accent1"/>
-          </a:fillRef>
-          <a:effectRef idx="0">
-            <a:schemeClr val="accent1"/>
-          </a:effectRef>
-          <a:fontRef idx="minor">
-            <a:schemeClr val="lt1"/>
-          </a:fontRef>
-        </p:style>
-        <p:txBody>
-          <a:bodyPr rtlCol="0" anchor="ctr"/>
-          <a:lstStyle/>
-          <a:p>
-            <a:pPr algn="ctr"/>
-            <a:endParaRPr lang="en-US" dirty="0"/>
-          </a:p>
-        </p:txBody>
-      </p:sp>
-      <p:sp>
-        <p:nvSpPr>
-          <p:cNvPr id="21" name="TextBox 20">
-            <a:extLst>
-              <a:ext uri="{FF2B5EF4-FFF2-40B4-BE49-F238E27FC236}">
-                <a16:creationId xmlns:a16="http://schemas.microsoft.com/office/drawing/2014/main" id="{2C671479-930E-415A-B69A-ECBBEE15D322}"/>
+                <a16:creationId xmlns:a16="http://schemas.microsoft.com/office/drawing/2014/main" id="{8339A9DE-BF13-4A43-94BA-C88EBE2F3769}"/>
               </a:ext>
             </a:extLst>
           </p:cNvPr>
@@ -32889,8 +34657,8 @@
         </p:nvSpPr>
         <p:spPr>
           <a:xfrm>
-            <a:off x="211450" y="3523405"/>
-            <a:ext cx="968892" cy="369332"/>
+            <a:off x="8716858" y="741705"/>
+            <a:ext cx="2534665" cy="1754326"/>
           </a:xfrm>
           <a:prstGeom prst="rect">
             <a:avLst/>
@@ -32910,87 +34678,17 @@
                   <a:schemeClr val="bg1"/>
                 </a:solidFill>
               </a:rPr>
-              <a:t>S = 4</a:t>
+              <a:t>E-way Set Associative</a:t>
             </a:r>
           </a:p>
-        </p:txBody>
-      </p:sp>
-      <p:sp>
-        <p:nvSpPr>
-          <p:cNvPr id="22" name="Rectangle: Rounded Corners 21">
-            <a:extLst>
-              <a:ext uri="{FF2B5EF4-FFF2-40B4-BE49-F238E27FC236}">
-                <a16:creationId xmlns:a16="http://schemas.microsoft.com/office/drawing/2014/main" id="{1FEE8CFF-ECB2-4E6C-9D09-0F648D52A491}"/>
-              </a:ext>
-            </a:extLst>
-          </p:cNvPr>
-          <p:cNvSpPr/>
-          <p:nvPr/>
-        </p:nvSpPr>
-        <p:spPr>
-          <a:xfrm>
-            <a:off x="2826867" y="2015542"/>
-            <a:ext cx="1071529" cy="558142"/>
-          </a:xfrm>
-          <a:prstGeom prst="roundRect">
-            <a:avLst/>
-          </a:prstGeom>
-          <a:solidFill>
-            <a:srgbClr val="7030A0"/>
-          </a:solidFill>
-        </p:spPr>
-        <p:style>
-          <a:lnRef idx="2">
-            <a:schemeClr val="accent1">
-              <a:shade val="50000"/>
-            </a:schemeClr>
-          </a:lnRef>
-          <a:fillRef idx="1">
-            <a:schemeClr val="accent1"/>
-          </a:fillRef>
-          <a:effectRef idx="0">
-            <a:schemeClr val="accent1"/>
-          </a:effectRef>
-          <a:fontRef idx="minor">
-            <a:schemeClr val="lt1"/>
-          </a:fontRef>
-        </p:style>
-        <p:txBody>
-          <a:bodyPr rtlCol="0" anchor="ctr"/>
-          <a:lstStyle/>
           <a:p>
             <a:pPr algn="ctr"/>
-            <a:endParaRPr lang="en-US" dirty="0"/>
-          </a:p>
-        </p:txBody>
-      </p:sp>
-      <p:sp>
-        <p:nvSpPr>
-          <p:cNvPr id="23" name="TextBox 22">
-            <a:extLst>
-              <a:ext uri="{FF2B5EF4-FFF2-40B4-BE49-F238E27FC236}">
-                <a16:creationId xmlns:a16="http://schemas.microsoft.com/office/drawing/2014/main" id="{3B931BB1-E6A7-43B1-8A62-36B8C726AF14}"/>
-              </a:ext>
-            </a:extLst>
-          </p:cNvPr>
-          <p:cNvSpPr txBox="1"/>
-          <p:nvPr/>
-        </p:nvSpPr>
-        <p:spPr>
-          <a:xfrm>
-            <a:off x="2907025" y="2109947"/>
-            <a:ext cx="968892" cy="369332"/>
-          </a:xfrm>
-          <a:prstGeom prst="rect">
-            <a:avLst/>
-          </a:prstGeom>
-          <a:noFill/>
-        </p:spPr>
-        <p:txBody>
-          <a:bodyPr wrap="square" rtlCol="0">
-            <a:spAutoFit/>
-          </a:bodyPr>
-          <a:lstStyle/>
+            <a:endParaRPr lang="en-US" dirty="0">
+              <a:solidFill>
+                <a:schemeClr val="bg1"/>
+              </a:solidFill>
+            </a:endParaRPr>
+          </a:p>
           <a:p>
             <a:pPr algn="ctr"/>
             <a:r>
@@ -32999,95 +34697,42 @@
                   <a:schemeClr val="bg1"/>
                 </a:solidFill>
               </a:rPr>
-              <a:t>e = 3</a:t>
+              <a:t>(each set contains ‘2^e’ (E) entries)</a:t>
             </a:r>
           </a:p>
-        </p:txBody>
-      </p:sp>
-      <p:sp>
-        <p:nvSpPr>
-          <p:cNvPr id="10" name="Rectangle: Rounded Corners 9">
-            <a:extLst>
-              <a:ext uri="{FF2B5EF4-FFF2-40B4-BE49-F238E27FC236}">
-                <a16:creationId xmlns:a16="http://schemas.microsoft.com/office/drawing/2014/main" id="{AE30A87A-EAFD-420B-A900-CD73A775B88A}"/>
-              </a:ext>
-            </a:extLst>
-          </p:cNvPr>
-          <p:cNvSpPr/>
-          <p:nvPr/>
-        </p:nvSpPr>
-        <p:spPr>
-          <a:xfrm>
-            <a:off x="2826866" y="4898331"/>
-            <a:ext cx="1071529" cy="646331"/>
-          </a:xfrm>
-          <a:prstGeom prst="roundRect">
-            <a:avLst/>
-          </a:prstGeom>
-          <a:solidFill>
-            <a:srgbClr val="7030A0"/>
-          </a:solidFill>
-        </p:spPr>
-        <p:style>
-          <a:lnRef idx="2">
-            <a:schemeClr val="accent1">
-              <a:shade val="50000"/>
-            </a:schemeClr>
-          </a:lnRef>
-          <a:fillRef idx="1">
-            <a:schemeClr val="accent1"/>
-          </a:fillRef>
-          <a:effectRef idx="0">
-            <a:schemeClr val="accent1"/>
-          </a:effectRef>
-          <a:fontRef idx="minor">
-            <a:schemeClr val="lt1"/>
-          </a:fontRef>
-        </p:style>
-        <p:txBody>
-          <a:bodyPr rtlCol="0" anchor="ctr"/>
-          <a:lstStyle/>
           <a:p>
             <a:pPr algn="ctr"/>
-            <a:endParaRPr lang="en-US" dirty="0"/>
-          </a:p>
-        </p:txBody>
-      </p:sp>
-      <p:sp>
-        <p:nvSpPr>
-          <p:cNvPr id="11" name="TextBox 10">
-            <a:extLst>
-              <a:ext uri="{FF2B5EF4-FFF2-40B4-BE49-F238E27FC236}">
-                <a16:creationId xmlns:a16="http://schemas.microsoft.com/office/drawing/2014/main" id="{0E122CF9-1F57-4AA6-9DFB-CC9F2C7EE195}"/>
-              </a:ext>
-            </a:extLst>
-          </p:cNvPr>
-          <p:cNvSpPr txBox="1"/>
-          <p:nvPr/>
-        </p:nvSpPr>
-        <p:spPr>
-          <a:xfrm>
-            <a:off x="2826867" y="5036830"/>
-            <a:ext cx="1071528" cy="369332"/>
-          </a:xfrm>
-          <a:prstGeom prst="rect">
-            <a:avLst/>
-          </a:prstGeom>
-          <a:noFill/>
-        </p:spPr>
-        <p:txBody>
-          <a:bodyPr wrap="square" rtlCol="0">
-            <a:spAutoFit/>
-          </a:bodyPr>
-          <a:lstStyle/>
-          <a:p>
+            <a:endParaRPr lang="en-US" dirty="0">
+              <a:solidFill>
+                <a:schemeClr val="bg1"/>
+              </a:solidFill>
+            </a:endParaRPr>
+          </a:p>
+          <a:p>
+            <a:pPr algn="ctr"/>
             <a:r>
               <a:rPr lang="en-US" dirty="0">
                 <a:solidFill>
                   <a:schemeClr val="bg1"/>
                 </a:solidFill>
               </a:rPr>
-              <a:t>1010 LRU</a:t>
+              <a:t>(mapping to any </a:t>
+            </a:r>
+            <a:r>
+              <a:rPr lang="en-US" b="1" dirty="0">
+                <a:solidFill>
+                  <a:schemeClr val="bg1"/>
+                </a:solidFill>
+              </a:rPr>
+              <a:t>E</a:t>
+            </a:r>
+            <a:r>
+              <a:rPr lang="en-US" dirty="0">
+                <a:solidFill>
+                  <a:schemeClr val="bg1"/>
+                </a:solidFill>
+              </a:rPr>
+              <a:t> in s)</a:t>
             </a:r>
           </a:p>
         </p:txBody>
@@ -33308,76 +34953,6 @@
       </p:sp>
       <p:sp>
         <p:nvSpPr>
-          <p:cNvPr id="9" name="TextBox 8">
-            <a:extLst>
-              <a:ext uri="{FF2B5EF4-FFF2-40B4-BE49-F238E27FC236}">
-                <a16:creationId xmlns:a16="http://schemas.microsoft.com/office/drawing/2014/main" id="{486EB97C-0A97-47E9-ABC7-524C5E6C61CF}"/>
-              </a:ext>
-            </a:extLst>
-          </p:cNvPr>
-          <p:cNvSpPr txBox="1"/>
-          <p:nvPr/>
-        </p:nvSpPr>
-        <p:spPr>
-          <a:xfrm>
-            <a:off x="8716858" y="741705"/>
-            <a:ext cx="2534665" cy="1754326"/>
-          </a:xfrm>
-          <a:prstGeom prst="rect">
-            <a:avLst/>
-          </a:prstGeom>
-          <a:noFill/>
-        </p:spPr>
-        <p:txBody>
-          <a:bodyPr wrap="square" rtlCol="0">
-            <a:spAutoFit/>
-          </a:bodyPr>
-          <a:lstStyle/>
-          <a:p>
-            <a:pPr algn="ctr"/>
-            <a:r>
-              <a:rPr lang="en-US" dirty="0">
-                <a:solidFill>
-                  <a:schemeClr val="bg1"/>
-                </a:solidFill>
-              </a:rPr>
-              <a:t>E-way Set Associative (N-set)</a:t>
-            </a:r>
-          </a:p>
-          <a:p>
-            <a:pPr algn="ctr"/>
-            <a:r>
-              <a:rPr lang="en-US" dirty="0">
-                <a:solidFill>
-                  <a:schemeClr val="bg1"/>
-                </a:solidFill>
-              </a:rPr>
-              <a:t>(each set contains ‘2^e’ entries)</a:t>
-            </a:r>
-          </a:p>
-          <a:p>
-            <a:pPr algn="ctr"/>
-            <a:endParaRPr lang="en-US" dirty="0">
-              <a:solidFill>
-                <a:schemeClr val="bg1"/>
-              </a:solidFill>
-            </a:endParaRPr>
-          </a:p>
-          <a:p>
-            <a:pPr algn="ctr"/>
-            <a:r>
-              <a:rPr lang="en-US" dirty="0">
-                <a:solidFill>
-                  <a:schemeClr val="bg1"/>
-                </a:solidFill>
-              </a:rPr>
-              <a:t>(mapping to any e in s)</a:t>
-            </a:r>
-          </a:p>
-        </p:txBody>
-      </p:sp>
-      <p:sp>
-        <p:nvSpPr>
           <p:cNvPr id="13" name="Rectangle: Rounded Corners 12">
             <a:extLst>
               <a:ext uri="{FF2B5EF4-FFF2-40B4-BE49-F238E27FC236}">
@@ -33664,7 +35239,7 @@
                   <a:schemeClr val="bg1"/>
                 </a:solidFill>
               </a:rPr>
-              <a:t>1110</a:t>
+              <a:t>11100</a:t>
             </a:r>
           </a:p>
           <a:p>
@@ -33715,7 +35290,7 @@
                   <a:schemeClr val="bg1"/>
                 </a:solidFill>
               </a:rPr>
-              <a:t>001</a:t>
+              <a:t>01</a:t>
             </a:r>
           </a:p>
           <a:p>
@@ -33780,12 +35355,220 @@
           </a:p>
         </p:txBody>
       </p:sp>
+      <p:sp>
+        <p:nvSpPr>
+          <p:cNvPr id="20" name="Rectangle: Rounded Corners 19">
+            <a:extLst>
+              <a:ext uri="{FF2B5EF4-FFF2-40B4-BE49-F238E27FC236}">
+                <a16:creationId xmlns:a16="http://schemas.microsoft.com/office/drawing/2014/main" id="{AE906A5D-B46C-4443-93E6-DD23BC6B2F3C}"/>
+              </a:ext>
+            </a:extLst>
+          </p:cNvPr>
+          <p:cNvSpPr/>
+          <p:nvPr/>
+        </p:nvSpPr>
+        <p:spPr>
+          <a:xfrm>
+            <a:off x="131292" y="3429000"/>
+            <a:ext cx="1071529" cy="558142"/>
+          </a:xfrm>
+          <a:prstGeom prst="roundRect">
+            <a:avLst/>
+          </a:prstGeom>
+          <a:solidFill>
+            <a:srgbClr val="7030A0"/>
+          </a:solidFill>
+        </p:spPr>
+        <p:style>
+          <a:lnRef idx="2">
+            <a:schemeClr val="accent1">
+              <a:shade val="50000"/>
+            </a:schemeClr>
+          </a:lnRef>
+          <a:fillRef idx="1">
+            <a:schemeClr val="accent1"/>
+          </a:fillRef>
+          <a:effectRef idx="0">
+            <a:schemeClr val="accent1"/>
+          </a:effectRef>
+          <a:fontRef idx="minor">
+            <a:schemeClr val="lt1"/>
+          </a:fontRef>
+        </p:style>
+        <p:txBody>
+          <a:bodyPr rtlCol="0" anchor="ctr"/>
+          <a:lstStyle/>
+          <a:p>
+            <a:pPr algn="ctr"/>
+            <a:endParaRPr lang="en-US" dirty="0"/>
+          </a:p>
+        </p:txBody>
+      </p:sp>
+      <p:sp>
+        <p:nvSpPr>
+          <p:cNvPr id="21" name="TextBox 20">
+            <a:extLst>
+              <a:ext uri="{FF2B5EF4-FFF2-40B4-BE49-F238E27FC236}">
+                <a16:creationId xmlns:a16="http://schemas.microsoft.com/office/drawing/2014/main" id="{2C671479-930E-415A-B69A-ECBBEE15D322}"/>
+              </a:ext>
+            </a:extLst>
+          </p:cNvPr>
+          <p:cNvSpPr txBox="1"/>
+          <p:nvPr/>
+        </p:nvSpPr>
+        <p:spPr>
+          <a:xfrm>
+            <a:off x="211450" y="3523405"/>
+            <a:ext cx="968892" cy="369332"/>
+          </a:xfrm>
+          <a:prstGeom prst="rect">
+            <a:avLst/>
+          </a:prstGeom>
+          <a:noFill/>
+        </p:spPr>
+        <p:txBody>
+          <a:bodyPr wrap="square" rtlCol="0">
+            <a:spAutoFit/>
+          </a:bodyPr>
+          <a:lstStyle/>
+          <a:p>
+            <a:pPr algn="ctr"/>
+            <a:r>
+              <a:rPr lang="en-US" dirty="0">
+                <a:solidFill>
+                  <a:schemeClr val="bg1"/>
+                </a:solidFill>
+              </a:rPr>
+              <a:t>S = 4</a:t>
+            </a:r>
+          </a:p>
+        </p:txBody>
+      </p:sp>
+      <p:sp>
+        <p:nvSpPr>
+          <p:cNvPr id="22" name="Rectangle: Rounded Corners 21">
+            <a:extLst>
+              <a:ext uri="{FF2B5EF4-FFF2-40B4-BE49-F238E27FC236}">
+                <a16:creationId xmlns:a16="http://schemas.microsoft.com/office/drawing/2014/main" id="{1FEE8CFF-ECB2-4E6C-9D09-0F648D52A491}"/>
+              </a:ext>
+            </a:extLst>
+          </p:cNvPr>
+          <p:cNvSpPr/>
+          <p:nvPr/>
+        </p:nvSpPr>
+        <p:spPr>
+          <a:xfrm>
+            <a:off x="2826867" y="2015542"/>
+            <a:ext cx="1071529" cy="558142"/>
+          </a:xfrm>
+          <a:prstGeom prst="roundRect">
+            <a:avLst/>
+          </a:prstGeom>
+          <a:solidFill>
+            <a:srgbClr val="7030A0"/>
+          </a:solidFill>
+        </p:spPr>
+        <p:style>
+          <a:lnRef idx="2">
+            <a:schemeClr val="accent1">
+              <a:shade val="50000"/>
+            </a:schemeClr>
+          </a:lnRef>
+          <a:fillRef idx="1">
+            <a:schemeClr val="accent1"/>
+          </a:fillRef>
+          <a:effectRef idx="0">
+            <a:schemeClr val="accent1"/>
+          </a:effectRef>
+          <a:fontRef idx="minor">
+            <a:schemeClr val="lt1"/>
+          </a:fontRef>
+        </p:style>
+        <p:txBody>
+          <a:bodyPr rtlCol="0" anchor="ctr"/>
+          <a:lstStyle/>
+          <a:p>
+            <a:pPr algn="ctr"/>
+            <a:endParaRPr lang="en-US" dirty="0"/>
+          </a:p>
+        </p:txBody>
+      </p:sp>
+      <p:sp>
+        <p:nvSpPr>
+          <p:cNvPr id="23" name="TextBox 22">
+            <a:extLst>
+              <a:ext uri="{FF2B5EF4-FFF2-40B4-BE49-F238E27FC236}">
+                <a16:creationId xmlns:a16="http://schemas.microsoft.com/office/drawing/2014/main" id="{3B931BB1-E6A7-43B1-8A62-36B8C726AF14}"/>
+              </a:ext>
+            </a:extLst>
+          </p:cNvPr>
+          <p:cNvSpPr txBox="1"/>
+          <p:nvPr/>
+        </p:nvSpPr>
+        <p:spPr>
+          <a:xfrm>
+            <a:off x="2907025" y="2109947"/>
+            <a:ext cx="968892" cy="369332"/>
+          </a:xfrm>
+          <a:prstGeom prst="rect">
+            <a:avLst/>
+          </a:prstGeom>
+          <a:noFill/>
+        </p:spPr>
+        <p:txBody>
+          <a:bodyPr wrap="square" rtlCol="0">
+            <a:spAutoFit/>
+          </a:bodyPr>
+          <a:lstStyle/>
+          <a:p>
+            <a:pPr algn="ctr"/>
+            <a:r>
+              <a:rPr lang="en-US" dirty="0">
+                <a:solidFill>
+                  <a:schemeClr val="bg1"/>
+                </a:solidFill>
+              </a:rPr>
+              <a:t>E = 4</a:t>
+            </a:r>
+          </a:p>
+        </p:txBody>
+      </p:sp>
+      <p:pic>
+        <p:nvPicPr>
+          <p:cNvPr id="24" name="Picture 23">
+            <a:extLst>
+              <a:ext uri="{FF2B5EF4-FFF2-40B4-BE49-F238E27FC236}">
+                <a16:creationId xmlns:a16="http://schemas.microsoft.com/office/drawing/2014/main" id="{FDE168E7-E0BA-4F89-8765-38BB9D105ED9}"/>
+              </a:ext>
+            </a:extLst>
+          </p:cNvPr>
+          <p:cNvPicPr>
+            <a:picLocks noChangeAspect="1"/>
+          </p:cNvPicPr>
+          <p:nvPr/>
+        </p:nvPicPr>
+        <p:blipFill>
+          <a:blip r:embed="rId3"/>
+          <a:stretch>
+            <a:fillRect/>
+          </a:stretch>
+        </p:blipFill>
+        <p:spPr>
+          <a:xfrm>
+            <a:off x="838200" y="4985128"/>
+            <a:ext cx="5334744" cy="1600423"/>
+          </a:xfrm>
+          <a:prstGeom prst="rect">
+            <a:avLst/>
+          </a:prstGeom>
+        </p:spPr>
+      </p:pic>
       <p:graphicFrame>
         <p:nvGraphicFramePr>
-          <p:cNvPr id="19" name="Table 5">
+          <p:cNvPr id="25" name="Table 5">
             <a:extLst>
               <a:ext uri="{FF2B5EF4-FFF2-40B4-BE49-F238E27FC236}">
-                <a16:creationId xmlns:a16="http://schemas.microsoft.com/office/drawing/2014/main" id="{AEE33FDA-821E-449B-A52A-B812F7153ACD}"/>
+                <a16:creationId xmlns:a16="http://schemas.microsoft.com/office/drawing/2014/main" id="{03253DE1-54AB-4994-A601-E86333709420}"/>
               </a:ext>
             </a:extLst>
           </p:cNvPr>
@@ -33795,14 +35578,14 @@
           <p:nvPr>
             <p:extLst>
               <p:ext uri="{D42A27DB-BD31-4B8C-83A1-F6EECF244321}">
-                <p14:modId xmlns:p14="http://schemas.microsoft.com/office/powerpoint/2010/main" val="2866095042"/>
+                <p14:modId xmlns:p14="http://schemas.microsoft.com/office/powerpoint/2010/main" val="555322202"/>
               </p:ext>
             </p:extLst>
           </p:nvPr>
         </p:nvGraphicFramePr>
         <p:xfrm>
-          <a:off x="1555313" y="2798969"/>
-          <a:ext cx="3638550" cy="1790118"/>
+          <a:off x="1426258" y="2786474"/>
+          <a:ext cx="3896660" cy="1790118"/>
         </p:xfrm>
         <a:graphic>
           <a:graphicData uri="http://schemas.openxmlformats.org/drawingml/2006/table">
@@ -33811,24 +35594,31 @@
                 <a:tableStyleId>{5C22544A-7EE6-4342-B048-85BDC9FD1C3A}</a:tableStyleId>
               </a:tblPr>
               <a:tblGrid>
-                <a:gridCol w="1212850">
+                <a:gridCol w="974165">
                   <a:extLst>
                     <a:ext uri="{9D8B030D-6E8A-4147-A177-3AD203B41FA5}">
                       <a16:colId xmlns:a16="http://schemas.microsoft.com/office/drawing/2014/main" val="4177000608"/>
                     </a:ext>
                   </a:extLst>
                 </a:gridCol>
-                <a:gridCol w="1212850">
+                <a:gridCol w="974165">
                   <a:extLst>
                     <a:ext uri="{9D8B030D-6E8A-4147-A177-3AD203B41FA5}">
                       <a16:colId xmlns:a16="http://schemas.microsoft.com/office/drawing/2014/main" val="1811945546"/>
                     </a:ext>
                   </a:extLst>
                 </a:gridCol>
-                <a:gridCol w="1212850">
+                <a:gridCol w="974165">
                   <a:extLst>
                     <a:ext uri="{9D8B030D-6E8A-4147-A177-3AD203B41FA5}">
                       <a16:colId xmlns:a16="http://schemas.microsoft.com/office/drawing/2014/main" val="3124206422"/>
+                    </a:ext>
+                  </a:extLst>
+                </a:gridCol>
+                <a:gridCol w="974165">
+                  <a:extLst>
+                    <a:ext uri="{9D8B030D-6E8A-4147-A177-3AD203B41FA5}">
+                      <a16:colId xmlns:a16="http://schemas.microsoft.com/office/drawing/2014/main" val="823396284"/>
                     </a:ext>
                   </a:extLst>
                 </a:gridCol>
@@ -34011,6 +35801,57 @@
                     </a:solidFill>
                   </a:tcPr>
                 </a:tc>
+                <a:tc>
+                  <a:txBody>
+                    <a:bodyPr/>
+                    <a:lstStyle/>
+                    <a:p>
+                      <a:pPr algn="ctr"/>
+                      <a:endParaRPr lang="en-US" dirty="0"/>
+                    </a:p>
+                  </a:txBody>
+                  <a:tcPr>
+                    <a:lnL w="12700" cap="flat" cmpd="sng" algn="ctr">
+                      <a:solidFill>
+                        <a:schemeClr val="tx1"/>
+                      </a:solidFill>
+                      <a:prstDash val="solid"/>
+                      <a:round/>
+                      <a:headEnd type="none" w="med" len="med"/>
+                      <a:tailEnd type="none" w="med" len="med"/>
+                    </a:lnL>
+                    <a:lnR w="12700" cap="flat" cmpd="sng" algn="ctr">
+                      <a:solidFill>
+                        <a:schemeClr val="tx1"/>
+                      </a:solidFill>
+                      <a:prstDash val="solid"/>
+                      <a:round/>
+                      <a:headEnd type="none" w="med" len="med"/>
+                      <a:tailEnd type="none" w="med" len="med"/>
+                    </a:lnR>
+                    <a:lnT w="12700" cap="flat" cmpd="sng" algn="ctr">
+                      <a:solidFill>
+                        <a:schemeClr val="tx1"/>
+                      </a:solidFill>
+                      <a:prstDash val="solid"/>
+                      <a:round/>
+                      <a:headEnd type="none" w="med" len="med"/>
+                      <a:tailEnd type="none" w="med" len="med"/>
+                    </a:lnT>
+                    <a:lnB w="12700" cap="flat" cmpd="sng" algn="ctr">
+                      <a:solidFill>
+                        <a:schemeClr val="tx1"/>
+                      </a:solidFill>
+                      <a:prstDash val="solid"/>
+                      <a:round/>
+                      <a:headEnd type="none" w="med" len="med"/>
+                      <a:tailEnd type="none" w="med" len="med"/>
+                    </a:lnB>
+                    <a:solidFill>
+                      <a:schemeClr val="bg1"/>
+                    </a:solidFill>
+                  </a:tcPr>
+                </a:tc>
                 <a:extLst>
                   <a:ext uri="{0D108BD9-81ED-4DB2-BD59-A6C34878D82A}">
                     <a16:rowId xmlns:a16="http://schemas.microsoft.com/office/drawing/2014/main" val="365532486"/>
@@ -34042,7 +35883,7 @@
                             <a:schemeClr val="bg1"/>
                           </a:solidFill>
                         </a:rPr>
-                        <a:t>10</a:t>
+                        <a:t>100</a:t>
                       </a:r>
                       <a:r>
                         <a:rPr lang="en-US" b="1" dirty="0"/>
@@ -34124,7 +35965,7 @@
                             <a:schemeClr val="bg1"/>
                           </a:solidFill>
                         </a:rPr>
-                        <a:t>1110</a:t>
+                        <a:t>11100</a:t>
                       </a:r>
                       <a:r>
                         <a:rPr lang="en-US" b="1" dirty="0"/>
@@ -34214,7 +36055,97 @@
                             <a:schemeClr val="bg1"/>
                           </a:solidFill>
                         </a:rPr>
-                        <a:t>110</a:t>
+                        <a:t>1100</a:t>
+                      </a:r>
+                      <a:r>
+                        <a:rPr lang="en-US" b="1" dirty="0"/>
+                        <a:t>] Data</a:t>
+                      </a:r>
+                    </a:p>
+                  </a:txBody>
+                  <a:tcPr>
+                    <a:lnL w="12700" cap="flat" cmpd="sng" algn="ctr">
+                      <a:solidFill>
+                        <a:schemeClr val="tx1"/>
+                      </a:solidFill>
+                      <a:prstDash val="solid"/>
+                      <a:round/>
+                      <a:headEnd type="none" w="med" len="med"/>
+                      <a:tailEnd type="none" w="med" len="med"/>
+                    </a:lnL>
+                    <a:lnR w="12700" cap="flat" cmpd="sng" algn="ctr">
+                      <a:solidFill>
+                        <a:schemeClr val="tx1"/>
+                      </a:solidFill>
+                      <a:prstDash val="solid"/>
+                      <a:round/>
+                      <a:headEnd type="none" w="med" len="med"/>
+                      <a:tailEnd type="none" w="med" len="med"/>
+                    </a:lnR>
+                    <a:lnT w="12700" cap="flat" cmpd="sng" algn="ctr">
+                      <a:solidFill>
+                        <a:schemeClr val="tx1"/>
+                      </a:solidFill>
+                      <a:prstDash val="solid"/>
+                      <a:round/>
+                      <a:headEnd type="none" w="med" len="med"/>
+                      <a:tailEnd type="none" w="med" len="med"/>
+                    </a:lnT>
+                    <a:lnB w="12700" cap="flat" cmpd="sng" algn="ctr">
+                      <a:solidFill>
+                        <a:schemeClr val="tx1"/>
+                      </a:solidFill>
+                      <a:prstDash val="solid"/>
+                      <a:round/>
+                      <a:headEnd type="none" w="med" len="med"/>
+                      <a:tailEnd type="none" w="med" len="med"/>
+                    </a:lnB>
+                    <a:solidFill>
+                      <a:srgbClr val="00B050"/>
+                    </a:solidFill>
+                  </a:tcPr>
+                </a:tc>
+                <a:tc>
+                  <a:txBody>
+                    <a:bodyPr/>
+                    <a:lstStyle/>
+                    <a:p>
+                      <a:pPr marL="0" marR="0" lvl="0" indent="0" algn="ctr" defTabSz="914400" rtl="0" eaLnBrk="1" fontAlgn="auto" latinLnBrk="0" hangingPunct="1">
+                        <a:lnSpc>
+                          <a:spcPct val="100000"/>
+                        </a:lnSpc>
+                        <a:spcBef>
+                          <a:spcPts val="0"/>
+                        </a:spcBef>
+                        <a:spcAft>
+                          <a:spcPts val="0"/>
+                        </a:spcAft>
+                        <a:buClrTx/>
+                        <a:buSzTx/>
+                        <a:buFontTx/>
+                        <a:buNone/>
+                        <a:tabLst/>
+                        <a:defRPr/>
+                      </a:pPr>
+                      <a:r>
+                        <a:rPr lang="en-US" b="1" dirty="0"/>
+                        <a:t>[</a:t>
+                      </a:r>
+                      <a:r>
+                        <a:rPr lang="en-US" b="1" dirty="0">
+                          <a:solidFill>
+                            <a:schemeClr val="bg1"/>
+                          </a:solidFill>
+                        </a:rPr>
+                        <a:t>0</a:t>
+                      </a:r>
+                      <a:r>
+                        <a:rPr lang="en-US" dirty="0">
+                          <a:solidFill>
+                            <a:schemeClr val="bg1"/>
+                          </a:solidFill>
+                        </a:rPr>
+                        <a:t>1101</a:t>
                       </a:r>
                       <a:r>
                         <a:rPr lang="en-US" b="1" dirty="0"/>
@@ -34424,6 +36355,57 @@
                     </a:solidFill>
                   </a:tcPr>
                 </a:tc>
+                <a:tc>
+                  <a:txBody>
+                    <a:bodyPr/>
+                    <a:lstStyle/>
+                    <a:p>
+                      <a:pPr algn="ctr"/>
+                      <a:endParaRPr lang="en-US" b="1" dirty="0"/>
+                    </a:p>
+                  </a:txBody>
+                  <a:tcPr>
+                    <a:lnL w="12700" cap="flat" cmpd="sng" algn="ctr">
+                      <a:solidFill>
+                        <a:schemeClr val="tx1"/>
+                      </a:solidFill>
+                      <a:prstDash val="solid"/>
+                      <a:round/>
+                      <a:headEnd type="none" w="med" len="med"/>
+                      <a:tailEnd type="none" w="med" len="med"/>
+                    </a:lnL>
+                    <a:lnR w="12700" cap="flat" cmpd="sng" algn="ctr">
+                      <a:solidFill>
+                        <a:schemeClr val="tx1"/>
+                      </a:solidFill>
+                      <a:prstDash val="solid"/>
+                      <a:round/>
+                      <a:headEnd type="none" w="med" len="med"/>
+                      <a:tailEnd type="none" w="med" len="med"/>
+                    </a:lnR>
+                    <a:lnT w="12700" cap="flat" cmpd="sng" algn="ctr">
+                      <a:solidFill>
+                        <a:schemeClr val="tx1"/>
+                      </a:solidFill>
+                      <a:prstDash val="solid"/>
+                      <a:round/>
+                      <a:headEnd type="none" w="med" len="med"/>
+                      <a:tailEnd type="none" w="med" len="med"/>
+                    </a:lnT>
+                    <a:lnB w="12700" cap="flat" cmpd="sng" algn="ctr">
+                      <a:solidFill>
+                        <a:schemeClr val="tx1"/>
+                      </a:solidFill>
+                      <a:prstDash val="solid"/>
+                      <a:round/>
+                      <a:headEnd type="none" w="med" len="med"/>
+                      <a:tailEnd type="none" w="med" len="med"/>
+                    </a:lnB>
+                    <a:solidFill>
+                      <a:schemeClr val="bg1"/>
+                    </a:solidFill>
+                  </a:tcPr>
+                </a:tc>
                 <a:extLst>
                   <a:ext uri="{0D108BD9-81ED-4DB2-BD59-A6C34878D82A}">
                     <a16:rowId xmlns:a16="http://schemas.microsoft.com/office/drawing/2014/main" val="910194687"/>
@@ -34584,6 +36566,57 @@
                     </a:solidFill>
                   </a:tcPr>
                 </a:tc>
+                <a:tc>
+                  <a:txBody>
+                    <a:bodyPr/>
+                    <a:lstStyle/>
+                    <a:p>
+                      <a:pPr algn="ctr"/>
+                      <a:endParaRPr lang="en-US" b="1" dirty="0"/>
+                    </a:p>
+                  </a:txBody>
+                  <a:tcPr>
+                    <a:lnL w="12700" cap="flat" cmpd="sng" algn="ctr">
+                      <a:solidFill>
+                        <a:schemeClr val="tx1"/>
+                      </a:solidFill>
+                      <a:prstDash val="solid"/>
+                      <a:round/>
+                      <a:headEnd type="none" w="med" len="med"/>
+                      <a:tailEnd type="none" w="med" len="med"/>
+                    </a:lnL>
+                    <a:lnR w="12700" cap="flat" cmpd="sng" algn="ctr">
+                      <a:solidFill>
+                        <a:schemeClr val="tx1"/>
+                      </a:solidFill>
+                      <a:prstDash val="solid"/>
+                      <a:round/>
+                      <a:headEnd type="none" w="med" len="med"/>
+                      <a:tailEnd type="none" w="med" len="med"/>
+                    </a:lnR>
+                    <a:lnT w="12700" cap="flat" cmpd="sng" algn="ctr">
+                      <a:solidFill>
+                        <a:schemeClr val="tx1"/>
+                      </a:solidFill>
+                      <a:prstDash val="solid"/>
+                      <a:round/>
+                      <a:headEnd type="none" w="med" len="med"/>
+                      <a:tailEnd type="none" w="med" len="med"/>
+                    </a:lnT>
+                    <a:lnB w="12700" cap="flat" cmpd="sng" algn="ctr">
+                      <a:solidFill>
+                        <a:schemeClr val="tx1"/>
+                      </a:solidFill>
+                      <a:prstDash val="solid"/>
+                      <a:round/>
+                      <a:headEnd type="none" w="med" len="med"/>
+                      <a:tailEnd type="none" w="med" len="med"/>
+                    </a:lnB>
+                    <a:solidFill>
+                      <a:schemeClr val="bg1"/>
+                    </a:solidFill>
+                  </a:tcPr>
+                </a:tc>
                 <a:extLst>
                   <a:ext uri="{0D108BD9-81ED-4DB2-BD59-A6C34878D82A}">
                     <a16:rowId xmlns:a16="http://schemas.microsoft.com/office/drawing/2014/main" val="524999477"/>
@@ -34596,59 +36629,10 @@
       </p:graphicFrame>
       <p:sp>
         <p:nvSpPr>
-          <p:cNvPr id="20" name="Rectangle: Rounded Corners 19">
+          <p:cNvPr id="26" name="TextBox 25">
             <a:extLst>
               <a:ext uri="{FF2B5EF4-FFF2-40B4-BE49-F238E27FC236}">
-                <a16:creationId xmlns:a16="http://schemas.microsoft.com/office/drawing/2014/main" id="{AE906A5D-B46C-4443-93E6-DD23BC6B2F3C}"/>
-              </a:ext>
-            </a:extLst>
-          </p:cNvPr>
-          <p:cNvSpPr/>
-          <p:nvPr/>
-        </p:nvSpPr>
-        <p:spPr>
-          <a:xfrm>
-            <a:off x="131292" y="3429000"/>
-            <a:ext cx="1071529" cy="558142"/>
-          </a:xfrm>
-          <a:prstGeom prst="roundRect">
-            <a:avLst/>
-          </a:prstGeom>
-          <a:solidFill>
-            <a:srgbClr val="7030A0"/>
-          </a:solidFill>
-        </p:spPr>
-        <p:style>
-          <a:lnRef idx="2">
-            <a:schemeClr val="accent1">
-              <a:shade val="50000"/>
-            </a:schemeClr>
-          </a:lnRef>
-          <a:fillRef idx="1">
-            <a:schemeClr val="accent1"/>
-          </a:fillRef>
-          <a:effectRef idx="0">
-            <a:schemeClr val="accent1"/>
-          </a:effectRef>
-          <a:fontRef idx="minor">
-            <a:schemeClr val="lt1"/>
-          </a:fontRef>
-        </p:style>
-        <p:txBody>
-          <a:bodyPr rtlCol="0" anchor="ctr"/>
-          <a:lstStyle/>
-          <a:p>
-            <a:pPr algn="ctr"/>
-            <a:endParaRPr lang="en-US" dirty="0"/>
-          </a:p>
-        </p:txBody>
-      </p:sp>
-      <p:sp>
-        <p:nvSpPr>
-          <p:cNvPr id="21" name="TextBox 20">
-            <a:extLst>
-              <a:ext uri="{FF2B5EF4-FFF2-40B4-BE49-F238E27FC236}">
-                <a16:creationId xmlns:a16="http://schemas.microsoft.com/office/drawing/2014/main" id="{2C671479-930E-415A-B69A-ECBBEE15D322}"/>
+                <a16:creationId xmlns:a16="http://schemas.microsoft.com/office/drawing/2014/main" id="{B5E3219C-C87B-4FD7-A17E-24BCC776C4B8}"/>
               </a:ext>
             </a:extLst>
           </p:cNvPr>
@@ -34657,8 +36641,8 @@
         </p:nvSpPr>
         <p:spPr>
           <a:xfrm>
-            <a:off x="211450" y="3523405"/>
-            <a:ext cx="968892" cy="369332"/>
+            <a:off x="8716858" y="741705"/>
+            <a:ext cx="2534665" cy="1754326"/>
           </a:xfrm>
           <a:prstGeom prst="rect">
             <a:avLst/>
@@ -34678,87 +36662,17 @@
                   <a:schemeClr val="bg1"/>
                 </a:solidFill>
               </a:rPr>
-              <a:t>S = 4</a:t>
+              <a:t>E-way Set Associative</a:t>
             </a:r>
           </a:p>
-        </p:txBody>
-      </p:sp>
-      <p:sp>
-        <p:nvSpPr>
-          <p:cNvPr id="22" name="Rectangle: Rounded Corners 21">
-            <a:extLst>
-              <a:ext uri="{FF2B5EF4-FFF2-40B4-BE49-F238E27FC236}">
-                <a16:creationId xmlns:a16="http://schemas.microsoft.com/office/drawing/2014/main" id="{1FEE8CFF-ECB2-4E6C-9D09-0F648D52A491}"/>
-              </a:ext>
-            </a:extLst>
-          </p:cNvPr>
-          <p:cNvSpPr/>
-          <p:nvPr/>
-        </p:nvSpPr>
-        <p:spPr>
-          <a:xfrm>
-            <a:off x="2826867" y="2015542"/>
-            <a:ext cx="1071529" cy="558142"/>
-          </a:xfrm>
-          <a:prstGeom prst="roundRect">
-            <a:avLst/>
-          </a:prstGeom>
-          <a:solidFill>
-            <a:srgbClr val="7030A0"/>
-          </a:solidFill>
-        </p:spPr>
-        <p:style>
-          <a:lnRef idx="2">
-            <a:schemeClr val="accent1">
-              <a:shade val="50000"/>
-            </a:schemeClr>
-          </a:lnRef>
-          <a:fillRef idx="1">
-            <a:schemeClr val="accent1"/>
-          </a:fillRef>
-          <a:effectRef idx="0">
-            <a:schemeClr val="accent1"/>
-          </a:effectRef>
-          <a:fontRef idx="minor">
-            <a:schemeClr val="lt1"/>
-          </a:fontRef>
-        </p:style>
-        <p:txBody>
-          <a:bodyPr rtlCol="0" anchor="ctr"/>
-          <a:lstStyle/>
           <a:p>
             <a:pPr algn="ctr"/>
-            <a:endParaRPr lang="en-US" dirty="0"/>
-          </a:p>
-        </p:txBody>
-      </p:sp>
-      <p:sp>
-        <p:nvSpPr>
-          <p:cNvPr id="23" name="TextBox 22">
-            <a:extLst>
-              <a:ext uri="{FF2B5EF4-FFF2-40B4-BE49-F238E27FC236}">
-                <a16:creationId xmlns:a16="http://schemas.microsoft.com/office/drawing/2014/main" id="{3B931BB1-E6A7-43B1-8A62-36B8C726AF14}"/>
-              </a:ext>
-            </a:extLst>
-          </p:cNvPr>
-          <p:cNvSpPr txBox="1"/>
-          <p:nvPr/>
-        </p:nvSpPr>
-        <p:spPr>
-          <a:xfrm>
-            <a:off x="2907025" y="2109947"/>
-            <a:ext cx="968892" cy="369332"/>
-          </a:xfrm>
-          <a:prstGeom prst="rect">
-            <a:avLst/>
-          </a:prstGeom>
-          <a:noFill/>
-        </p:spPr>
-        <p:txBody>
-          <a:bodyPr wrap="square" rtlCol="0">
-            <a:spAutoFit/>
-          </a:bodyPr>
-          <a:lstStyle/>
+            <a:endParaRPr lang="en-US" dirty="0">
+              <a:solidFill>
+                <a:schemeClr val="bg1"/>
+              </a:solidFill>
+            </a:endParaRPr>
+          </a:p>
           <a:p>
             <a:pPr algn="ctr"/>
             <a:r>
@@ -34767,41 +36681,46 @@
                   <a:schemeClr val="bg1"/>
                 </a:solidFill>
               </a:rPr>
-              <a:t>e = 3</a:t>
+              <a:t>(each set contains ‘2^e’ (E) entries)</a:t>
+            </a:r>
+          </a:p>
+          <a:p>
+            <a:pPr algn="ctr"/>
+            <a:endParaRPr lang="en-US" dirty="0">
+              <a:solidFill>
+                <a:schemeClr val="bg1"/>
+              </a:solidFill>
+            </a:endParaRPr>
+          </a:p>
+          <a:p>
+            <a:pPr algn="ctr"/>
+            <a:r>
+              <a:rPr lang="en-US" dirty="0">
+                <a:solidFill>
+                  <a:schemeClr val="bg1"/>
+                </a:solidFill>
+              </a:rPr>
+              <a:t>(mapping to any </a:t>
+            </a:r>
+            <a:r>
+              <a:rPr lang="en-US" b="1" dirty="0">
+                <a:solidFill>
+                  <a:schemeClr val="bg1"/>
+                </a:solidFill>
+              </a:rPr>
+              <a:t>E</a:t>
+            </a:r>
+            <a:r>
+              <a:rPr lang="en-US" dirty="0">
+                <a:solidFill>
+                  <a:schemeClr val="bg1"/>
+                </a:solidFill>
+              </a:rPr>
+              <a:t> in s)</a:t>
             </a:r>
           </a:p>
         </p:txBody>
       </p:sp>
-      <p:pic>
-        <p:nvPicPr>
-          <p:cNvPr id="24" name="Picture 23">
-            <a:extLst>
-              <a:ext uri="{FF2B5EF4-FFF2-40B4-BE49-F238E27FC236}">
-                <a16:creationId xmlns:a16="http://schemas.microsoft.com/office/drawing/2014/main" id="{FDE168E7-E0BA-4F89-8765-38BB9D105ED9}"/>
-              </a:ext>
-            </a:extLst>
-          </p:cNvPr>
-          <p:cNvPicPr>
-            <a:picLocks noChangeAspect="1"/>
-          </p:cNvPicPr>
-          <p:nvPr/>
-        </p:nvPicPr>
-        <p:blipFill>
-          <a:blip r:embed="rId3"/>
-          <a:stretch>
-            <a:fillRect/>
-          </a:stretch>
-        </p:blipFill>
-        <p:spPr>
-          <a:xfrm>
-            <a:off x="838200" y="4985128"/>
-            <a:ext cx="5334744" cy="1600423"/>
-          </a:xfrm>
-          <a:prstGeom prst="rect">
-            <a:avLst/>
-          </a:prstGeom>
-        </p:spPr>
-      </p:pic>
     </p:spTree>
     <p:extLst>
       <p:ext uri="{BB962C8B-B14F-4D97-AF65-F5344CB8AC3E}">
